--- a/Deadlines/Poster/CE301 Poster Template.pptx
+++ b/Deadlines/Poster/CE301 Poster Template.pptx
@@ -137,763 +137,2584 @@
 </p:presentation>
 </file>
 
-<file path=ppt/charts/chart1.xml><?xml version="1.0" encoding="utf-8"?>
-<c:chartSpace xmlns:c="http://schemas.openxmlformats.org/drawingml/2006/chart" xmlns:a="http://schemas.openxmlformats.org/drawingml/2006/main" xmlns:r="http://schemas.openxmlformats.org/officeDocument/2006/relationships">
-  <c:lang val="en-GB"/>
-  <c:chart>
-    <c:autoTitleDeleted val="1"/>
-    <c:plotArea>
-      <c:layout>
-        <c:manualLayout>
-          <c:layoutTarget val="inner"/>
-          <c:xMode val="edge"/>
-          <c:yMode val="edge"/>
-          <c:x val="0.21985622644678851"/>
-          <c:y val="8.0705739196684653E-2"/>
-          <c:w val="0.7104343910965587"/>
-          <c:h val="0.68722169728783944"/>
-        </c:manualLayout>
-      </c:layout>
-      <c:scatterChart>
-        <c:scatterStyle val="lineMarker"/>
-        <c:ser>
-          <c:idx val="1"/>
-          <c:order val="0"/>
-          <c:tx>
-            <c:strRef>
-              <c:f>Sheet1!$B$19</c:f>
-              <c:strCache>
-                <c:ptCount val="1"/>
-                <c:pt idx="0">
-                  <c:v>Current (nA) , Light intensity = room</c:v>
-                </c:pt>
-              </c:strCache>
-            </c:strRef>
-          </c:tx>
-          <c:spPr>
-            <a:ln w="28575">
-              <a:noFill/>
-            </a:ln>
-          </c:spPr>
-          <c:trendline>
-            <c:spPr>
-              <a:ln>
-                <a:solidFill>
-                  <a:srgbClr val="FFFF00"/>
-                </a:solidFill>
-              </a:ln>
-            </c:spPr>
-            <c:trendlineType val="linear"/>
-            <c:backward val="0.4"/>
-            <c:intercept val="0"/>
-          </c:trendline>
-          <c:xVal>
-            <c:numRef>
-              <c:f>Sheet1!$C$80:$C$89</c:f>
-              <c:numCache>
-                <c:formatCode>0.0000</c:formatCode>
-                <c:ptCount val="10"/>
-                <c:pt idx="0">
-                  <c:v>0.39992000000000011</c:v>
-                </c:pt>
-                <c:pt idx="1">
-                  <c:v>0.79988999999999999</c:v>
-                </c:pt>
-                <c:pt idx="2">
-                  <c:v>1.1998599999999999</c:v>
-                </c:pt>
-                <c:pt idx="3">
-                  <c:v>1.5998199999999998</c:v>
-                </c:pt>
-                <c:pt idx="4">
-                  <c:v>1.9997699999999998</c:v>
-                </c:pt>
-                <c:pt idx="5">
-                  <c:v>2.3997299999999995</c:v>
-                </c:pt>
-                <c:pt idx="6">
-                  <c:v>2.7996799999999995</c:v>
-                </c:pt>
-                <c:pt idx="7">
-                  <c:v>3.1996200000000004</c:v>
-                </c:pt>
-                <c:pt idx="8">
-                  <c:v>3.5995599999999994</c:v>
-                </c:pt>
-                <c:pt idx="9">
-                  <c:v>3.9994899999999998</c:v>
-                </c:pt>
-              </c:numCache>
-            </c:numRef>
-          </c:xVal>
-          <c:yVal>
-            <c:numRef>
-              <c:f>Sheet1!$C$20:$C$29</c:f>
-              <c:numCache>
-                <c:formatCode>0.00</c:formatCode>
-                <c:ptCount val="10"/>
-                <c:pt idx="0">
-                  <c:v>0.53333333333333333</c:v>
-                </c:pt>
-                <c:pt idx="1">
-                  <c:v>0.7333333333333335</c:v>
-                </c:pt>
-                <c:pt idx="2">
-                  <c:v>0.93333333333333335</c:v>
-                </c:pt>
-                <c:pt idx="3">
-                  <c:v>1.2</c:v>
-                </c:pt>
-                <c:pt idx="4">
-                  <c:v>1.5333333333333332</c:v>
-                </c:pt>
-                <c:pt idx="5">
-                  <c:v>1.7999999999999998</c:v>
-                </c:pt>
-                <c:pt idx="6">
-                  <c:v>2.1333333333333337</c:v>
-                </c:pt>
-                <c:pt idx="7">
-                  <c:v>2.5333333333333332</c:v>
-                </c:pt>
-                <c:pt idx="8">
-                  <c:v>2.9333333333333336</c:v>
-                </c:pt>
-                <c:pt idx="9">
-                  <c:v>3.4</c:v>
-                </c:pt>
-              </c:numCache>
-            </c:numRef>
-          </c:yVal>
-        </c:ser>
-        <c:ser>
-          <c:idx val="0"/>
-          <c:order val="1"/>
-          <c:tx>
-            <c:strRef>
-              <c:f>Sheet1!$C$19</c:f>
-              <c:strCache>
-                <c:ptCount val="1"/>
-                <c:pt idx="0">
-                  <c:v>Current (nA) , Light intensity = 1</c:v>
-                </c:pt>
-              </c:strCache>
-            </c:strRef>
-          </c:tx>
-          <c:spPr>
-            <a:ln w="28575">
-              <a:noFill/>
-            </a:ln>
-          </c:spPr>
-          <c:trendline>
-            <c:spPr>
-              <a:ln>
-                <a:solidFill>
-                  <a:srgbClr val="FF0000"/>
-                </a:solidFill>
-              </a:ln>
-            </c:spPr>
-            <c:trendlineType val="linear"/>
-            <c:backward val="0.4"/>
-            <c:intercept val="0"/>
-          </c:trendline>
-          <c:xVal>
-            <c:numRef>
-              <c:f>Sheet1!$B$80:$B$89</c:f>
-              <c:numCache>
-                <c:formatCode>0.0000</c:formatCode>
-                <c:ptCount val="10"/>
-                <c:pt idx="0">
-                  <c:v>0.4</c:v>
-                </c:pt>
-                <c:pt idx="1">
-                  <c:v>0.8</c:v>
-                </c:pt>
-                <c:pt idx="2">
-                  <c:v>1.1999599999999999</c:v>
-                </c:pt>
-                <c:pt idx="3">
-                  <c:v>1.59995</c:v>
-                </c:pt>
-                <c:pt idx="4">
-                  <c:v>1.9999299999999998</c:v>
-                </c:pt>
-                <c:pt idx="5">
-                  <c:v>2.3999199999999994</c:v>
-                </c:pt>
-                <c:pt idx="6">
-                  <c:v>2.7998999999999992</c:v>
-                </c:pt>
-                <c:pt idx="7">
-                  <c:v>3.1998900000000003</c:v>
-                </c:pt>
-                <c:pt idx="8">
-                  <c:v>3.5998799999999997</c:v>
-                </c:pt>
-                <c:pt idx="9">
-                  <c:v>3.9998599999999995</c:v>
-                </c:pt>
-              </c:numCache>
-            </c:numRef>
-          </c:xVal>
-          <c:yVal>
-            <c:numRef>
-              <c:f>Sheet1!$B$20:$B$29</c:f>
-              <c:numCache>
-                <c:formatCode>0.00</c:formatCode>
-                <c:ptCount val="10"/>
-                <c:pt idx="0">
-                  <c:v>0</c:v>
-                </c:pt>
-                <c:pt idx="1">
-                  <c:v>0</c:v>
-                </c:pt>
-                <c:pt idx="2">
-                  <c:v>0.26666666666666672</c:v>
-                </c:pt>
-                <c:pt idx="3">
-                  <c:v>0.33333333333333337</c:v>
-                </c:pt>
-                <c:pt idx="4">
-                  <c:v>0.46666666666666673</c:v>
-                </c:pt>
-                <c:pt idx="5">
-                  <c:v>0.53333333333333333</c:v>
-                </c:pt>
-                <c:pt idx="6">
-                  <c:v>0.66666666666666674</c:v>
-                </c:pt>
-                <c:pt idx="7">
-                  <c:v>0.7333333333333335</c:v>
-                </c:pt>
-                <c:pt idx="8">
-                  <c:v>0.79999999999999982</c:v>
-                </c:pt>
-                <c:pt idx="9">
-                  <c:v>0.93333333333333335</c:v>
-                </c:pt>
-              </c:numCache>
-            </c:numRef>
-          </c:yVal>
-        </c:ser>
-        <c:ser>
-          <c:idx val="2"/>
-          <c:order val="2"/>
-          <c:tx>
-            <c:strRef>
-              <c:f>Sheet1!$D$19</c:f>
-              <c:strCache>
-                <c:ptCount val="1"/>
-                <c:pt idx="0">
-                  <c:v>Current (nA) , Light intensity = 2</c:v>
-                </c:pt>
-              </c:strCache>
-            </c:strRef>
-          </c:tx>
-          <c:spPr>
-            <a:ln w="28575">
-              <a:noFill/>
-            </a:ln>
-          </c:spPr>
-          <c:trendline>
-            <c:spPr>
-              <a:ln>
-                <a:solidFill>
-                  <a:srgbClr val="00B050"/>
-                </a:solidFill>
-              </a:ln>
-            </c:spPr>
-            <c:trendlineType val="linear"/>
-            <c:backward val="0.4"/>
-            <c:intercept val="0"/>
-          </c:trendline>
-          <c:xVal>
-            <c:numRef>
-              <c:f>Sheet1!$D$80:$D$89</c:f>
-              <c:numCache>
-                <c:formatCode>0.0000</c:formatCode>
-                <c:ptCount val="10"/>
-                <c:pt idx="0">
-                  <c:v>0.39988000000000012</c:v>
-                </c:pt>
-                <c:pt idx="1">
-                  <c:v>0.79984000000000011</c:v>
-                </c:pt>
-                <c:pt idx="2">
-                  <c:v>1.1998</c:v>
-                </c:pt>
-                <c:pt idx="3">
-                  <c:v>1.59975</c:v>
-                </c:pt>
-                <c:pt idx="4">
-                  <c:v>1.9996899999999997</c:v>
-                </c:pt>
-                <c:pt idx="5">
-                  <c:v>2.3996299999999993</c:v>
-                </c:pt>
-                <c:pt idx="6">
-                  <c:v>2.7995599999999992</c:v>
-                </c:pt>
-                <c:pt idx="7">
-                  <c:v>3.1994900000000004</c:v>
-                </c:pt>
-                <c:pt idx="8">
-                  <c:v>3.5994099999999998</c:v>
-                </c:pt>
-                <c:pt idx="9">
-                  <c:v>3.9993300000000001</c:v>
-                </c:pt>
-              </c:numCache>
-            </c:numRef>
-          </c:xVal>
-          <c:yVal>
-            <c:numRef>
-              <c:f>Sheet1!$D$20:$D$29</c:f>
-              <c:numCache>
-                <c:formatCode>0.00</c:formatCode>
-                <c:ptCount val="10"/>
-                <c:pt idx="0">
-                  <c:v>0.79999999999999982</c:v>
-                </c:pt>
-                <c:pt idx="1">
-                  <c:v>1.0666666666666667</c:v>
-                </c:pt>
-                <c:pt idx="2">
-                  <c:v>1.3333333333333335</c:v>
-                </c:pt>
-                <c:pt idx="3">
-                  <c:v>1.6666666666666665</c:v>
-                </c:pt>
-                <c:pt idx="4">
-                  <c:v>2.0666666666666664</c:v>
-                </c:pt>
-                <c:pt idx="5">
-                  <c:v>2.4666666666666668</c:v>
-                </c:pt>
-                <c:pt idx="6">
-                  <c:v>2.9333333333333336</c:v>
-                </c:pt>
-                <c:pt idx="7">
-                  <c:v>3.4</c:v>
-                </c:pt>
-                <c:pt idx="8">
-                  <c:v>3.9333333333333331</c:v>
-                </c:pt>
-                <c:pt idx="9">
-                  <c:v>4.4666666666666677</c:v>
-                </c:pt>
-              </c:numCache>
-            </c:numRef>
-          </c:yVal>
-        </c:ser>
-        <c:ser>
-          <c:idx val="3"/>
-          <c:order val="3"/>
-          <c:tx>
-            <c:strRef>
-              <c:f>Sheet1!$E$19</c:f>
-              <c:strCache>
-                <c:ptCount val="1"/>
-                <c:pt idx="0">
-                  <c:v>Current (nA) , Light intensity = 3</c:v>
-                </c:pt>
-              </c:strCache>
-            </c:strRef>
-          </c:tx>
-          <c:spPr>
-            <a:ln w="28575">
-              <a:noFill/>
-            </a:ln>
-          </c:spPr>
-          <c:trendline>
-            <c:spPr>
-              <a:ln>
-                <a:solidFill>
-                  <a:srgbClr val="0070C0"/>
-                </a:solidFill>
-              </a:ln>
-            </c:spPr>
-            <c:trendlineType val="linear"/>
-            <c:backward val="0.4"/>
-            <c:intercept val="0"/>
-          </c:trendline>
-          <c:xVal>
-            <c:numRef>
-              <c:f>Sheet1!$E$80:$E$89</c:f>
-              <c:numCache>
-                <c:formatCode>0.0000</c:formatCode>
-                <c:ptCount val="10"/>
-                <c:pt idx="0">
-                  <c:v>0.39984000000000014</c:v>
-                </c:pt>
-                <c:pt idx="1">
-                  <c:v>0.79976000000000003</c:v>
-                </c:pt>
-                <c:pt idx="2">
-                  <c:v>1.1996799999999999</c:v>
-                </c:pt>
-                <c:pt idx="3">
-                  <c:v>1.59958</c:v>
-                </c:pt>
-                <c:pt idx="4">
-                  <c:v>1.9994699999999999</c:v>
-                </c:pt>
-                <c:pt idx="5">
-                  <c:v>2.3993499999999996</c:v>
-                </c:pt>
-                <c:pt idx="6">
-                  <c:v>2.7992299999999997</c:v>
-                </c:pt>
-                <c:pt idx="7">
-                  <c:v>3.1991000000000001</c:v>
-                </c:pt>
-                <c:pt idx="8">
-                  <c:v>3.5989599999999995</c:v>
-                </c:pt>
-                <c:pt idx="9">
-                  <c:v>3.9988099999999998</c:v>
-                </c:pt>
-              </c:numCache>
-            </c:numRef>
-          </c:xVal>
-          <c:yVal>
-            <c:numRef>
-              <c:f>Sheet1!$E$20:$E$29</c:f>
-              <c:numCache>
-                <c:formatCode>0.00</c:formatCode>
-                <c:ptCount val="10"/>
-                <c:pt idx="0">
-                  <c:v>1.0666666666666667</c:v>
-                </c:pt>
-                <c:pt idx="1">
-                  <c:v>1.5999999999999994</c:v>
-                </c:pt>
-                <c:pt idx="2">
-                  <c:v>2.1333333333333337</c:v>
-                </c:pt>
-                <c:pt idx="3">
-                  <c:v>2.8</c:v>
-                </c:pt>
-                <c:pt idx="4">
-                  <c:v>3.5333333333333332</c:v>
-                </c:pt>
-                <c:pt idx="5">
-                  <c:v>4.3333333333333339</c:v>
-                </c:pt>
-                <c:pt idx="6">
-                  <c:v>5.1333333333333346</c:v>
-                </c:pt>
-                <c:pt idx="7">
-                  <c:v>6</c:v>
-                </c:pt>
-                <c:pt idx="8">
-                  <c:v>6.9333333333333353</c:v>
-                </c:pt>
-                <c:pt idx="9">
-                  <c:v>7.9333333333333345</c:v>
-                </c:pt>
-              </c:numCache>
-            </c:numRef>
-          </c:yVal>
-        </c:ser>
-        <c:ser>
-          <c:idx val="4"/>
-          <c:order val="4"/>
-          <c:tx>
-            <c:strRef>
-              <c:f>Sheet1!$F$19</c:f>
-              <c:strCache>
-                <c:ptCount val="1"/>
-                <c:pt idx="0">
-                  <c:v>Current (nA) , Light intensity = 4</c:v>
-                </c:pt>
-              </c:strCache>
-            </c:strRef>
-          </c:tx>
-          <c:spPr>
-            <a:ln w="28575">
-              <a:noFill/>
-            </a:ln>
-          </c:spPr>
-          <c:trendline>
-            <c:spPr>
-              <a:ln>
-                <a:solidFill>
-                  <a:srgbClr val="7030A0"/>
-                </a:solidFill>
-              </a:ln>
-            </c:spPr>
-            <c:trendlineType val="linear"/>
-            <c:backward val="0.4"/>
-            <c:intercept val="0"/>
-          </c:trendline>
-          <c:xVal>
-            <c:numRef>
-              <c:f>Sheet1!$F$80:$F$89</c:f>
-              <c:numCache>
-                <c:formatCode>0.0000</c:formatCode>
-                <c:ptCount val="10"/>
-                <c:pt idx="0">
-                  <c:v>0.39982000000000012</c:v>
-                </c:pt>
-                <c:pt idx="1">
-                  <c:v>0.79972000000000021</c:v>
-                </c:pt>
-                <c:pt idx="2">
-                  <c:v>1.1996100000000001</c:v>
-                </c:pt>
-                <c:pt idx="3">
-                  <c:v>1.5994899999999999</c:v>
-                </c:pt>
-                <c:pt idx="4">
-                  <c:v>1.9993599999999998</c:v>
-                </c:pt>
-                <c:pt idx="5">
-                  <c:v>2.3992199999999997</c:v>
-                </c:pt>
-                <c:pt idx="6">
-                  <c:v>2.7990699999999995</c:v>
-                </c:pt>
-                <c:pt idx="7">
-                  <c:v>3.1989200000000002</c:v>
-                </c:pt>
-                <c:pt idx="8">
-                  <c:v>3.59876</c:v>
-                </c:pt>
-                <c:pt idx="9">
-                  <c:v>3.9985999999999997</c:v>
-                </c:pt>
-              </c:numCache>
-            </c:numRef>
-          </c:xVal>
-          <c:yVal>
-            <c:numRef>
-              <c:f>Sheet1!$F$20:$F$29</c:f>
-              <c:numCache>
-                <c:formatCode>0.00</c:formatCode>
-                <c:ptCount val="10"/>
-                <c:pt idx="0">
-                  <c:v>1.2</c:v>
-                </c:pt>
-                <c:pt idx="1">
-                  <c:v>1.8666666666666667</c:v>
-                </c:pt>
-                <c:pt idx="2">
-                  <c:v>2.6</c:v>
-                </c:pt>
-                <c:pt idx="3">
-                  <c:v>3.4</c:v>
-                </c:pt>
-                <c:pt idx="4">
-                  <c:v>4.2666666666666675</c:v>
-                </c:pt>
-                <c:pt idx="5">
-                  <c:v>5.2</c:v>
-                </c:pt>
-                <c:pt idx="6">
-                  <c:v>6.1999999999999984</c:v>
-                </c:pt>
-                <c:pt idx="7">
-                  <c:v>7.1999999999999984</c:v>
-                </c:pt>
-                <c:pt idx="8">
-                  <c:v>8.2666666666666675</c:v>
-                </c:pt>
-                <c:pt idx="9">
-                  <c:v>9.3333333333333321</c:v>
-                </c:pt>
-              </c:numCache>
-            </c:numRef>
-          </c:yVal>
-        </c:ser>
-        <c:ser>
-          <c:idx val="5"/>
-          <c:order val="5"/>
-          <c:tx>
-            <c:strRef>
-              <c:f>Sheet1!$G$19</c:f>
-              <c:strCache>
-                <c:ptCount val="1"/>
-                <c:pt idx="0">
-                  <c:v>Current (nA) , Light intensity = 5</c:v>
-                </c:pt>
-              </c:strCache>
-            </c:strRef>
-          </c:tx>
-          <c:spPr>
-            <a:ln w="28575">
-              <a:noFill/>
-            </a:ln>
-          </c:spPr>
-          <c:trendline>
-            <c:trendlineType val="linear"/>
-            <c:backward val="0.4"/>
-            <c:intercept val="0"/>
-          </c:trendline>
-          <c:xVal>
-            <c:numRef>
-              <c:f>Sheet1!$G$80:$G$89</c:f>
-              <c:numCache>
-                <c:formatCode>0.0000</c:formatCode>
-                <c:ptCount val="10"/>
-                <c:pt idx="0">
-                  <c:v>0.39980000000000016</c:v>
-                </c:pt>
-                <c:pt idx="1">
-                  <c:v>0.79969000000000012</c:v>
-                </c:pt>
-                <c:pt idx="2">
-                  <c:v>1.19957</c:v>
-                </c:pt>
-                <c:pt idx="3">
-                  <c:v>1.5994199999999998</c:v>
-                </c:pt>
-                <c:pt idx="4">
-                  <c:v>1.9992699999999999</c:v>
-                </c:pt>
-                <c:pt idx="5">
-                  <c:v>2.3991099999999994</c:v>
-                </c:pt>
-                <c:pt idx="6">
-                  <c:v>2.7989499999999992</c:v>
-                </c:pt>
-                <c:pt idx="7">
-                  <c:v>3.1987700000000001</c:v>
-                </c:pt>
-                <c:pt idx="8">
-                  <c:v>3.5985900000000002</c:v>
-                </c:pt>
-                <c:pt idx="9">
-                  <c:v>3.9984099999999994</c:v>
-                </c:pt>
-              </c:numCache>
-            </c:numRef>
-          </c:xVal>
-          <c:yVal>
-            <c:numRef>
-              <c:f>Sheet1!$G$20:$G$29</c:f>
-              <c:numCache>
-                <c:formatCode>0.00</c:formatCode>
-                <c:ptCount val="10"/>
-                <c:pt idx="0">
-                  <c:v>1.3333333333333335</c:v>
-                </c:pt>
-                <c:pt idx="1">
-                  <c:v>2.0666666666666664</c:v>
-                </c:pt>
-                <c:pt idx="2">
-                  <c:v>2.8666666666666667</c:v>
-                </c:pt>
-                <c:pt idx="3">
-                  <c:v>3.8666666666666663</c:v>
-                </c:pt>
-                <c:pt idx="4">
-                  <c:v>4.8666666666666663</c:v>
-                </c:pt>
-                <c:pt idx="5">
-                  <c:v>5.9333333333333353</c:v>
-                </c:pt>
-                <c:pt idx="6">
-                  <c:v>7</c:v>
-                </c:pt>
-                <c:pt idx="7">
-                  <c:v>8.2000000000000011</c:v>
-                </c:pt>
-                <c:pt idx="8">
-                  <c:v>9.4000000000000021</c:v>
-                </c:pt>
-                <c:pt idx="9">
-                  <c:v>10.6</c:v>
-                </c:pt>
-              </c:numCache>
-            </c:numRef>
-          </c:yVal>
-        </c:ser>
-        <c:dLbls/>
-        <c:axId val="65145856"/>
-        <c:axId val="65164416"/>
-      </c:scatterChart>
-      <c:valAx>
-        <c:axId val="65145856"/>
-        <c:scaling>
-          <c:orientation val="minMax"/>
-          <c:min val="0"/>
-        </c:scaling>
-        <c:axPos val="b"/>
-        <c:title>
-          <c:tx>
-            <c:rich>
-              <a:bodyPr/>
-              <a:lstStyle/>
-              <a:p>
-                <a:pPr>
-                  <a:defRPr sz="1200"/>
-                </a:pPr>
-                <a:r>
-                  <a:rPr lang="en-US" sz="1200"/>
-                  <a:t>Vd (V)</a:t>
-                </a:r>
-              </a:p>
-            </c:rich>
-          </c:tx>
-          <c:layout/>
-        </c:title>
-        <c:numFmt formatCode="0.0" sourceLinked="0"/>
-        <c:tickLblPos val="nextTo"/>
-        <c:crossAx val="65164416"/>
-        <c:crosses val="autoZero"/>
-        <c:crossBetween val="midCat"/>
-      </c:valAx>
-      <c:valAx>
-        <c:axId val="65164416"/>
-        <c:scaling>
-          <c:orientation val="minMax"/>
-          <c:min val="0"/>
-        </c:scaling>
-        <c:axPos val="l"/>
-        <c:title>
-          <c:tx>
-            <c:rich>
-              <a:bodyPr rot="-5400000" vert="horz"/>
-              <a:lstStyle/>
-              <a:p>
-                <a:pPr>
-                  <a:defRPr sz="1200"/>
-                </a:pPr>
-                <a:r>
-                  <a:rPr lang="en-US" sz="1200"/>
-                  <a:t>Current (nA)</a:t>
-                </a:r>
-              </a:p>
-            </c:rich>
-          </c:tx>
-          <c:layout>
-            <c:manualLayout>
-              <c:xMode val="edge"/>
-              <c:yMode val="edge"/>
-              <c:x val="3.1944935913234697E-2"/>
-              <c:y val="0.28738337707786576"/>
-            </c:manualLayout>
-          </c:layout>
-        </c:title>
-        <c:numFmt formatCode="0.00" sourceLinked="1"/>
-        <c:tickLblPos val="nextTo"/>
-        <c:crossAx val="65145856"/>
-        <c:crosses val="autoZero"/>
-        <c:crossBetween val="midCat"/>
-      </c:valAx>
-      <c:spPr>
-        <a:noFill/>
-        <a:ln w="25400">
+<file path=ppt/diagrams/colors1.xml><?xml version="1.0" encoding="utf-8"?>
+<dgm:colorsDef xmlns:dgm="http://schemas.openxmlformats.org/drawingml/2006/diagram" xmlns:a="http://schemas.openxmlformats.org/drawingml/2006/main" uniqueId="urn:microsoft.com/office/officeart/2005/8/colors/accent2_2">
+  <dgm:title val=""/>
+  <dgm:desc val=""/>
+  <dgm:catLst>
+    <dgm:cat type="accent2" pri="11200"/>
+  </dgm:catLst>
+  <dgm:styleLbl name="node0">
+    <dgm:fillClrLst meth="repeat">
+      <a:schemeClr val="accent2"/>
+    </dgm:fillClrLst>
+    <dgm:linClrLst meth="repeat">
+      <a:schemeClr val="lt1"/>
+    </dgm:linClrLst>
+    <dgm:effectClrLst/>
+    <dgm:txLinClrLst/>
+    <dgm:txFillClrLst/>
+    <dgm:txEffectClrLst/>
+  </dgm:styleLbl>
+  <dgm:styleLbl name="node1">
+    <dgm:fillClrLst meth="repeat">
+      <a:schemeClr val="accent2"/>
+    </dgm:fillClrLst>
+    <dgm:linClrLst meth="repeat">
+      <a:schemeClr val="lt1"/>
+    </dgm:linClrLst>
+    <dgm:effectClrLst/>
+    <dgm:txLinClrLst/>
+    <dgm:txFillClrLst/>
+    <dgm:txEffectClrLst/>
+  </dgm:styleLbl>
+  <dgm:styleLbl name="alignNode1">
+    <dgm:fillClrLst meth="repeat">
+      <a:schemeClr val="accent2"/>
+    </dgm:fillClrLst>
+    <dgm:linClrLst meth="repeat">
+      <a:schemeClr val="accent2"/>
+    </dgm:linClrLst>
+    <dgm:effectClrLst/>
+    <dgm:txLinClrLst/>
+    <dgm:txFillClrLst/>
+    <dgm:txEffectClrLst/>
+  </dgm:styleLbl>
+  <dgm:styleLbl name="lnNode1">
+    <dgm:fillClrLst meth="repeat">
+      <a:schemeClr val="accent2"/>
+    </dgm:fillClrLst>
+    <dgm:linClrLst meth="repeat">
+      <a:schemeClr val="lt1"/>
+    </dgm:linClrLst>
+    <dgm:effectClrLst/>
+    <dgm:txLinClrLst/>
+    <dgm:txFillClrLst/>
+    <dgm:txEffectClrLst/>
+  </dgm:styleLbl>
+  <dgm:styleLbl name="vennNode1">
+    <dgm:fillClrLst meth="repeat">
+      <a:schemeClr val="accent2">
+        <a:alpha val="50000"/>
+      </a:schemeClr>
+    </dgm:fillClrLst>
+    <dgm:linClrLst meth="repeat">
+      <a:schemeClr val="lt1"/>
+    </dgm:linClrLst>
+    <dgm:effectClrLst/>
+    <dgm:txLinClrLst/>
+    <dgm:txFillClrLst/>
+    <dgm:txEffectClrLst/>
+  </dgm:styleLbl>
+  <dgm:styleLbl name="node2">
+    <dgm:fillClrLst meth="repeat">
+      <a:schemeClr val="accent2"/>
+    </dgm:fillClrLst>
+    <dgm:linClrLst meth="repeat">
+      <a:schemeClr val="lt1"/>
+    </dgm:linClrLst>
+    <dgm:effectClrLst/>
+    <dgm:txLinClrLst/>
+    <dgm:txFillClrLst/>
+    <dgm:txEffectClrLst/>
+  </dgm:styleLbl>
+  <dgm:styleLbl name="node3">
+    <dgm:fillClrLst meth="repeat">
+      <a:schemeClr val="accent2"/>
+    </dgm:fillClrLst>
+    <dgm:linClrLst meth="repeat">
+      <a:schemeClr val="lt1"/>
+    </dgm:linClrLst>
+    <dgm:effectClrLst/>
+    <dgm:txLinClrLst/>
+    <dgm:txFillClrLst/>
+    <dgm:txEffectClrLst/>
+  </dgm:styleLbl>
+  <dgm:styleLbl name="node4">
+    <dgm:fillClrLst meth="repeat">
+      <a:schemeClr val="accent2"/>
+    </dgm:fillClrLst>
+    <dgm:linClrLst meth="repeat">
+      <a:schemeClr val="lt1"/>
+    </dgm:linClrLst>
+    <dgm:effectClrLst/>
+    <dgm:txLinClrLst/>
+    <dgm:txFillClrLst/>
+    <dgm:txEffectClrLst/>
+  </dgm:styleLbl>
+  <dgm:styleLbl name="fgImgPlace1">
+    <dgm:fillClrLst meth="repeat">
+      <a:schemeClr val="accent2">
+        <a:tint val="50000"/>
+      </a:schemeClr>
+    </dgm:fillClrLst>
+    <dgm:linClrLst meth="repeat">
+      <a:schemeClr val="lt1"/>
+    </dgm:linClrLst>
+    <dgm:effectClrLst/>
+    <dgm:txLinClrLst/>
+    <dgm:txFillClrLst meth="repeat">
+      <a:schemeClr val="lt1"/>
+    </dgm:txFillClrLst>
+    <dgm:txEffectClrLst/>
+  </dgm:styleLbl>
+  <dgm:styleLbl name="alignImgPlace1">
+    <dgm:fillClrLst meth="repeat">
+      <a:schemeClr val="accent2">
+        <a:tint val="50000"/>
+      </a:schemeClr>
+    </dgm:fillClrLst>
+    <dgm:linClrLst meth="repeat">
+      <a:schemeClr val="lt1"/>
+    </dgm:linClrLst>
+    <dgm:effectClrLst/>
+    <dgm:txLinClrLst/>
+    <dgm:txFillClrLst meth="repeat">
+      <a:schemeClr val="lt1"/>
+    </dgm:txFillClrLst>
+    <dgm:txEffectClrLst/>
+  </dgm:styleLbl>
+  <dgm:styleLbl name="bgImgPlace1">
+    <dgm:fillClrLst meth="repeat">
+      <a:schemeClr val="accent2">
+        <a:tint val="50000"/>
+      </a:schemeClr>
+    </dgm:fillClrLst>
+    <dgm:linClrLst meth="repeat">
+      <a:schemeClr val="lt1"/>
+    </dgm:linClrLst>
+    <dgm:effectClrLst/>
+    <dgm:txLinClrLst/>
+    <dgm:txFillClrLst meth="repeat">
+      <a:schemeClr val="lt1"/>
+    </dgm:txFillClrLst>
+    <dgm:txEffectClrLst/>
+  </dgm:styleLbl>
+  <dgm:styleLbl name="sibTrans2D1">
+    <dgm:fillClrLst meth="repeat">
+      <a:schemeClr val="accent2">
+        <a:tint val="60000"/>
+      </a:schemeClr>
+    </dgm:fillClrLst>
+    <dgm:linClrLst meth="repeat">
+      <a:schemeClr val="accent2">
+        <a:tint val="60000"/>
+      </a:schemeClr>
+    </dgm:linClrLst>
+    <dgm:effectClrLst/>
+    <dgm:txLinClrLst/>
+    <dgm:txFillClrLst/>
+    <dgm:txEffectClrLst/>
+  </dgm:styleLbl>
+  <dgm:styleLbl name="fgSibTrans2D1">
+    <dgm:fillClrLst meth="repeat">
+      <a:schemeClr val="accent2">
+        <a:tint val="60000"/>
+      </a:schemeClr>
+    </dgm:fillClrLst>
+    <dgm:linClrLst meth="repeat">
+      <a:schemeClr val="accent2">
+        <a:tint val="60000"/>
+      </a:schemeClr>
+    </dgm:linClrLst>
+    <dgm:effectClrLst/>
+    <dgm:txLinClrLst/>
+    <dgm:txFillClrLst/>
+    <dgm:txEffectClrLst/>
+  </dgm:styleLbl>
+  <dgm:styleLbl name="bgSibTrans2D1">
+    <dgm:fillClrLst meth="repeat">
+      <a:schemeClr val="accent2">
+        <a:tint val="60000"/>
+      </a:schemeClr>
+    </dgm:fillClrLst>
+    <dgm:linClrLst meth="repeat">
+      <a:schemeClr val="accent2">
+        <a:tint val="60000"/>
+      </a:schemeClr>
+    </dgm:linClrLst>
+    <dgm:effectClrLst/>
+    <dgm:txLinClrLst/>
+    <dgm:txFillClrLst/>
+    <dgm:txEffectClrLst/>
+  </dgm:styleLbl>
+  <dgm:styleLbl name="sibTrans1D1">
+    <dgm:fillClrLst meth="repeat">
+      <a:schemeClr val="accent2"/>
+    </dgm:fillClrLst>
+    <dgm:linClrLst meth="repeat">
+      <a:schemeClr val="accent2"/>
+    </dgm:linClrLst>
+    <dgm:effectClrLst/>
+    <dgm:txLinClrLst/>
+    <dgm:txFillClrLst meth="repeat">
+      <a:schemeClr val="tx1"/>
+    </dgm:txFillClrLst>
+    <dgm:txEffectClrLst/>
+  </dgm:styleLbl>
+  <dgm:styleLbl name="callout">
+    <dgm:fillClrLst meth="repeat">
+      <a:schemeClr val="accent2"/>
+    </dgm:fillClrLst>
+    <dgm:linClrLst meth="repeat">
+      <a:schemeClr val="accent2">
+        <a:tint val="50000"/>
+      </a:schemeClr>
+    </dgm:linClrLst>
+    <dgm:effectClrLst/>
+    <dgm:txLinClrLst/>
+    <dgm:txFillClrLst meth="repeat">
+      <a:schemeClr val="tx1"/>
+    </dgm:txFillClrLst>
+    <dgm:txEffectClrLst/>
+  </dgm:styleLbl>
+  <dgm:styleLbl name="asst0">
+    <dgm:fillClrLst meth="repeat">
+      <a:schemeClr val="accent2"/>
+    </dgm:fillClrLst>
+    <dgm:linClrLst meth="repeat">
+      <a:schemeClr val="lt1"/>
+    </dgm:linClrLst>
+    <dgm:effectClrLst/>
+    <dgm:txLinClrLst/>
+    <dgm:txFillClrLst/>
+    <dgm:txEffectClrLst/>
+  </dgm:styleLbl>
+  <dgm:styleLbl name="asst1">
+    <dgm:fillClrLst meth="repeat">
+      <a:schemeClr val="accent2"/>
+    </dgm:fillClrLst>
+    <dgm:linClrLst meth="repeat">
+      <a:schemeClr val="lt1"/>
+    </dgm:linClrLst>
+    <dgm:effectClrLst/>
+    <dgm:txLinClrLst/>
+    <dgm:txFillClrLst/>
+    <dgm:txEffectClrLst/>
+  </dgm:styleLbl>
+  <dgm:styleLbl name="asst2">
+    <dgm:fillClrLst meth="repeat">
+      <a:schemeClr val="accent2"/>
+    </dgm:fillClrLst>
+    <dgm:linClrLst meth="repeat">
+      <a:schemeClr val="lt1"/>
+    </dgm:linClrLst>
+    <dgm:effectClrLst/>
+    <dgm:txLinClrLst/>
+    <dgm:txFillClrLst/>
+    <dgm:txEffectClrLst/>
+  </dgm:styleLbl>
+  <dgm:styleLbl name="asst3">
+    <dgm:fillClrLst meth="repeat">
+      <a:schemeClr val="accent2"/>
+    </dgm:fillClrLst>
+    <dgm:linClrLst meth="repeat">
+      <a:schemeClr val="lt1"/>
+    </dgm:linClrLst>
+    <dgm:effectClrLst/>
+    <dgm:txLinClrLst/>
+    <dgm:txFillClrLst/>
+    <dgm:txEffectClrLst/>
+  </dgm:styleLbl>
+  <dgm:styleLbl name="asst4">
+    <dgm:fillClrLst meth="repeat">
+      <a:schemeClr val="accent2"/>
+    </dgm:fillClrLst>
+    <dgm:linClrLst meth="repeat">
+      <a:schemeClr val="lt1"/>
+    </dgm:linClrLst>
+    <dgm:effectClrLst/>
+    <dgm:txLinClrLst/>
+    <dgm:txFillClrLst/>
+    <dgm:txEffectClrLst/>
+  </dgm:styleLbl>
+  <dgm:styleLbl name="parChTrans2D1">
+    <dgm:fillClrLst meth="repeat">
+      <a:schemeClr val="accent2">
+        <a:tint val="60000"/>
+      </a:schemeClr>
+    </dgm:fillClrLst>
+    <dgm:linClrLst meth="repeat">
+      <a:schemeClr val="accent2">
+        <a:tint val="60000"/>
+      </a:schemeClr>
+    </dgm:linClrLst>
+    <dgm:effectClrLst/>
+    <dgm:txLinClrLst/>
+    <dgm:txFillClrLst meth="repeat">
+      <a:schemeClr val="lt1"/>
+    </dgm:txFillClrLst>
+    <dgm:txEffectClrLst/>
+  </dgm:styleLbl>
+  <dgm:styleLbl name="parChTrans2D2">
+    <dgm:fillClrLst meth="repeat">
+      <a:schemeClr val="accent2"/>
+    </dgm:fillClrLst>
+    <dgm:linClrLst meth="repeat">
+      <a:schemeClr val="accent2"/>
+    </dgm:linClrLst>
+    <dgm:effectClrLst/>
+    <dgm:txLinClrLst/>
+    <dgm:txFillClrLst meth="repeat">
+      <a:schemeClr val="lt1"/>
+    </dgm:txFillClrLst>
+    <dgm:txEffectClrLst/>
+  </dgm:styleLbl>
+  <dgm:styleLbl name="parChTrans2D3">
+    <dgm:fillClrLst meth="repeat">
+      <a:schemeClr val="accent2"/>
+    </dgm:fillClrLst>
+    <dgm:linClrLst meth="repeat">
+      <a:schemeClr val="accent2"/>
+    </dgm:linClrLst>
+    <dgm:effectClrLst/>
+    <dgm:txLinClrLst/>
+    <dgm:txFillClrLst meth="repeat">
+      <a:schemeClr val="lt1"/>
+    </dgm:txFillClrLst>
+    <dgm:txEffectClrLst/>
+  </dgm:styleLbl>
+  <dgm:styleLbl name="parChTrans2D4">
+    <dgm:fillClrLst meth="repeat">
+      <a:schemeClr val="accent2"/>
+    </dgm:fillClrLst>
+    <dgm:linClrLst meth="repeat">
+      <a:schemeClr val="accent2"/>
+    </dgm:linClrLst>
+    <dgm:effectClrLst/>
+    <dgm:txLinClrLst/>
+    <dgm:txFillClrLst meth="repeat">
+      <a:schemeClr val="lt1"/>
+    </dgm:txFillClrLst>
+    <dgm:txEffectClrLst/>
+  </dgm:styleLbl>
+  <dgm:styleLbl name="parChTrans1D1">
+    <dgm:fillClrLst meth="repeat">
+      <a:schemeClr val="accent2"/>
+    </dgm:fillClrLst>
+    <dgm:linClrLst meth="repeat">
+      <a:schemeClr val="accent2">
+        <a:shade val="60000"/>
+      </a:schemeClr>
+    </dgm:linClrLst>
+    <dgm:effectClrLst/>
+    <dgm:txLinClrLst/>
+    <dgm:txFillClrLst meth="repeat">
+      <a:schemeClr val="tx1"/>
+    </dgm:txFillClrLst>
+    <dgm:txEffectClrLst/>
+  </dgm:styleLbl>
+  <dgm:styleLbl name="parChTrans1D2">
+    <dgm:fillClrLst meth="repeat">
+      <a:schemeClr val="accent2"/>
+    </dgm:fillClrLst>
+    <dgm:linClrLst meth="repeat">
+      <a:schemeClr val="accent2">
+        <a:shade val="60000"/>
+      </a:schemeClr>
+    </dgm:linClrLst>
+    <dgm:effectClrLst/>
+    <dgm:txLinClrLst/>
+    <dgm:txFillClrLst meth="repeat">
+      <a:schemeClr val="tx1"/>
+    </dgm:txFillClrLst>
+    <dgm:txEffectClrLst/>
+  </dgm:styleLbl>
+  <dgm:styleLbl name="parChTrans1D3">
+    <dgm:fillClrLst meth="repeat">
+      <a:schemeClr val="accent2"/>
+    </dgm:fillClrLst>
+    <dgm:linClrLst meth="repeat">
+      <a:schemeClr val="accent2">
+        <a:shade val="80000"/>
+      </a:schemeClr>
+    </dgm:linClrLst>
+    <dgm:effectClrLst/>
+    <dgm:txLinClrLst/>
+    <dgm:txFillClrLst meth="repeat">
+      <a:schemeClr val="tx1"/>
+    </dgm:txFillClrLst>
+    <dgm:txEffectClrLst/>
+  </dgm:styleLbl>
+  <dgm:styleLbl name="parChTrans1D4">
+    <dgm:fillClrLst meth="repeat">
+      <a:schemeClr val="accent2"/>
+    </dgm:fillClrLst>
+    <dgm:linClrLst meth="repeat">
+      <a:schemeClr val="accent2">
+        <a:shade val="80000"/>
+      </a:schemeClr>
+    </dgm:linClrLst>
+    <dgm:effectClrLst/>
+    <dgm:txLinClrLst/>
+    <dgm:txFillClrLst meth="repeat">
+      <a:schemeClr val="tx1"/>
+    </dgm:txFillClrLst>
+    <dgm:txEffectClrLst/>
+  </dgm:styleLbl>
+  <dgm:styleLbl name="fgAcc1">
+    <dgm:fillClrLst meth="repeat">
+      <a:schemeClr val="lt1">
+        <a:alpha val="90000"/>
+      </a:schemeClr>
+    </dgm:fillClrLst>
+    <dgm:linClrLst meth="repeat">
+      <a:schemeClr val="accent2"/>
+    </dgm:linClrLst>
+    <dgm:effectClrLst/>
+    <dgm:txLinClrLst/>
+    <dgm:txFillClrLst meth="repeat">
+      <a:schemeClr val="dk1"/>
+    </dgm:txFillClrLst>
+    <dgm:txEffectClrLst/>
+  </dgm:styleLbl>
+  <dgm:styleLbl name="conFgAcc1">
+    <dgm:fillClrLst meth="repeat">
+      <a:schemeClr val="lt1">
+        <a:alpha val="90000"/>
+      </a:schemeClr>
+    </dgm:fillClrLst>
+    <dgm:linClrLst meth="repeat">
+      <a:schemeClr val="accent2"/>
+    </dgm:linClrLst>
+    <dgm:effectClrLst/>
+    <dgm:txLinClrLst/>
+    <dgm:txFillClrLst meth="repeat">
+      <a:schemeClr val="dk1"/>
+    </dgm:txFillClrLst>
+    <dgm:txEffectClrLst/>
+  </dgm:styleLbl>
+  <dgm:styleLbl name="alignAcc1">
+    <dgm:fillClrLst meth="repeat">
+      <a:schemeClr val="lt1">
+        <a:alpha val="90000"/>
+      </a:schemeClr>
+    </dgm:fillClrLst>
+    <dgm:linClrLst meth="repeat">
+      <a:schemeClr val="accent2"/>
+    </dgm:linClrLst>
+    <dgm:effectClrLst/>
+    <dgm:txLinClrLst/>
+    <dgm:txFillClrLst meth="repeat">
+      <a:schemeClr val="dk1"/>
+    </dgm:txFillClrLst>
+    <dgm:txEffectClrLst/>
+  </dgm:styleLbl>
+  <dgm:styleLbl name="trAlignAcc1">
+    <dgm:fillClrLst meth="repeat">
+      <a:schemeClr val="lt1">
+        <a:alpha val="40000"/>
+      </a:schemeClr>
+    </dgm:fillClrLst>
+    <dgm:linClrLst meth="repeat">
+      <a:schemeClr val="accent2"/>
+    </dgm:linClrLst>
+    <dgm:effectClrLst/>
+    <dgm:txLinClrLst/>
+    <dgm:txFillClrLst meth="repeat">
+      <a:schemeClr val="dk1"/>
+    </dgm:txFillClrLst>
+    <dgm:txEffectClrLst/>
+  </dgm:styleLbl>
+  <dgm:styleLbl name="bgAcc1">
+    <dgm:fillClrLst meth="repeat">
+      <a:schemeClr val="lt1">
+        <a:alpha val="90000"/>
+      </a:schemeClr>
+    </dgm:fillClrLst>
+    <dgm:linClrLst meth="repeat">
+      <a:schemeClr val="accent2"/>
+    </dgm:linClrLst>
+    <dgm:effectClrLst/>
+    <dgm:txLinClrLst/>
+    <dgm:txFillClrLst meth="repeat">
+      <a:schemeClr val="dk1"/>
+    </dgm:txFillClrLst>
+    <dgm:txEffectClrLst/>
+  </dgm:styleLbl>
+  <dgm:styleLbl name="solidFgAcc1">
+    <dgm:fillClrLst meth="repeat">
+      <a:schemeClr val="lt1"/>
+    </dgm:fillClrLst>
+    <dgm:linClrLst meth="repeat">
+      <a:schemeClr val="accent2"/>
+    </dgm:linClrLst>
+    <dgm:effectClrLst/>
+    <dgm:txLinClrLst/>
+    <dgm:txFillClrLst meth="repeat">
+      <a:schemeClr val="dk1"/>
+    </dgm:txFillClrLst>
+    <dgm:txEffectClrLst/>
+  </dgm:styleLbl>
+  <dgm:styleLbl name="solidAlignAcc1">
+    <dgm:fillClrLst meth="repeat">
+      <a:schemeClr val="lt1"/>
+    </dgm:fillClrLst>
+    <dgm:linClrLst meth="repeat">
+      <a:schemeClr val="accent2"/>
+    </dgm:linClrLst>
+    <dgm:effectClrLst/>
+    <dgm:txLinClrLst/>
+    <dgm:txFillClrLst meth="repeat">
+      <a:schemeClr val="dk1"/>
+    </dgm:txFillClrLst>
+    <dgm:txEffectClrLst/>
+  </dgm:styleLbl>
+  <dgm:styleLbl name="solidBgAcc1">
+    <dgm:fillClrLst meth="repeat">
+      <a:schemeClr val="lt1"/>
+    </dgm:fillClrLst>
+    <dgm:linClrLst meth="repeat">
+      <a:schemeClr val="accent2"/>
+    </dgm:linClrLst>
+    <dgm:effectClrLst/>
+    <dgm:txLinClrLst/>
+    <dgm:txFillClrLst meth="repeat">
+      <a:schemeClr val="dk1"/>
+    </dgm:txFillClrLst>
+    <dgm:txEffectClrLst/>
+  </dgm:styleLbl>
+  <dgm:styleLbl name="fgAccFollowNode1">
+    <dgm:fillClrLst meth="repeat">
+      <a:schemeClr val="accent2">
+        <a:alpha val="90000"/>
+        <a:tint val="40000"/>
+      </a:schemeClr>
+    </dgm:fillClrLst>
+    <dgm:linClrLst meth="repeat">
+      <a:schemeClr val="accent2">
+        <a:alpha val="90000"/>
+        <a:tint val="40000"/>
+      </a:schemeClr>
+    </dgm:linClrLst>
+    <dgm:effectClrLst/>
+    <dgm:txLinClrLst/>
+    <dgm:txFillClrLst meth="repeat">
+      <a:schemeClr val="dk1"/>
+    </dgm:txFillClrLst>
+    <dgm:txEffectClrLst/>
+  </dgm:styleLbl>
+  <dgm:styleLbl name="alignAccFollowNode1">
+    <dgm:fillClrLst meth="repeat">
+      <a:schemeClr val="accent2">
+        <a:alpha val="90000"/>
+        <a:tint val="40000"/>
+      </a:schemeClr>
+    </dgm:fillClrLst>
+    <dgm:linClrLst meth="repeat">
+      <a:schemeClr val="accent2">
+        <a:alpha val="90000"/>
+        <a:tint val="40000"/>
+      </a:schemeClr>
+    </dgm:linClrLst>
+    <dgm:effectClrLst/>
+    <dgm:txLinClrLst/>
+    <dgm:txFillClrLst meth="repeat">
+      <a:schemeClr val="dk1"/>
+    </dgm:txFillClrLst>
+    <dgm:txEffectClrLst/>
+  </dgm:styleLbl>
+  <dgm:styleLbl name="bgAccFollowNode1">
+    <dgm:fillClrLst meth="repeat">
+      <a:schemeClr val="accent2">
+        <a:alpha val="90000"/>
+        <a:tint val="40000"/>
+      </a:schemeClr>
+    </dgm:fillClrLst>
+    <dgm:linClrLst meth="repeat">
+      <a:schemeClr val="accent2">
+        <a:alpha val="90000"/>
+        <a:tint val="40000"/>
+      </a:schemeClr>
+    </dgm:linClrLst>
+    <dgm:effectClrLst/>
+    <dgm:txLinClrLst/>
+    <dgm:txFillClrLst meth="repeat">
+      <a:schemeClr val="dk1"/>
+    </dgm:txFillClrLst>
+    <dgm:txEffectClrLst/>
+  </dgm:styleLbl>
+  <dgm:styleLbl name="fgAcc0">
+    <dgm:fillClrLst meth="repeat">
+      <a:schemeClr val="lt1">
+        <a:alpha val="90000"/>
+      </a:schemeClr>
+    </dgm:fillClrLst>
+    <dgm:linClrLst meth="repeat">
+      <a:schemeClr val="accent2"/>
+    </dgm:linClrLst>
+    <dgm:effectClrLst/>
+    <dgm:txLinClrLst/>
+    <dgm:txFillClrLst meth="repeat">
+      <a:schemeClr val="dk1"/>
+    </dgm:txFillClrLst>
+    <dgm:txEffectClrLst/>
+  </dgm:styleLbl>
+  <dgm:styleLbl name="fgAcc2">
+    <dgm:fillClrLst meth="repeat">
+      <a:schemeClr val="lt1">
+        <a:alpha val="90000"/>
+      </a:schemeClr>
+    </dgm:fillClrLst>
+    <dgm:linClrLst meth="repeat">
+      <a:schemeClr val="accent2"/>
+    </dgm:linClrLst>
+    <dgm:effectClrLst/>
+    <dgm:txLinClrLst/>
+    <dgm:txFillClrLst meth="repeat">
+      <a:schemeClr val="dk1"/>
+    </dgm:txFillClrLst>
+    <dgm:txEffectClrLst/>
+  </dgm:styleLbl>
+  <dgm:styleLbl name="fgAcc3">
+    <dgm:fillClrLst meth="repeat">
+      <a:schemeClr val="lt1">
+        <a:alpha val="90000"/>
+      </a:schemeClr>
+    </dgm:fillClrLst>
+    <dgm:linClrLst meth="repeat">
+      <a:schemeClr val="accent2"/>
+    </dgm:linClrLst>
+    <dgm:effectClrLst/>
+    <dgm:txLinClrLst/>
+    <dgm:txFillClrLst meth="repeat">
+      <a:schemeClr val="dk1"/>
+    </dgm:txFillClrLst>
+    <dgm:txEffectClrLst/>
+  </dgm:styleLbl>
+  <dgm:styleLbl name="fgAcc4">
+    <dgm:fillClrLst meth="repeat">
+      <a:schemeClr val="lt1">
+        <a:alpha val="90000"/>
+      </a:schemeClr>
+    </dgm:fillClrLst>
+    <dgm:linClrLst meth="repeat">
+      <a:schemeClr val="accent2"/>
+    </dgm:linClrLst>
+    <dgm:effectClrLst/>
+    <dgm:txLinClrLst/>
+    <dgm:txFillClrLst meth="repeat">
+      <a:schemeClr val="dk1"/>
+    </dgm:txFillClrLst>
+    <dgm:txEffectClrLst/>
+  </dgm:styleLbl>
+  <dgm:styleLbl name="bgShp">
+    <dgm:fillClrLst meth="repeat">
+      <a:schemeClr val="accent2">
+        <a:tint val="40000"/>
+      </a:schemeClr>
+    </dgm:fillClrLst>
+    <dgm:linClrLst meth="repeat">
+      <a:schemeClr val="accent2"/>
+    </dgm:linClrLst>
+    <dgm:effectClrLst/>
+    <dgm:txLinClrLst/>
+    <dgm:txFillClrLst meth="repeat">
+      <a:schemeClr val="dk1"/>
+    </dgm:txFillClrLst>
+    <dgm:txEffectClrLst/>
+  </dgm:styleLbl>
+  <dgm:styleLbl name="dkBgShp">
+    <dgm:fillClrLst meth="repeat">
+      <a:schemeClr val="accent2">
+        <a:shade val="80000"/>
+      </a:schemeClr>
+    </dgm:fillClrLst>
+    <dgm:linClrLst meth="repeat">
+      <a:schemeClr val="accent2"/>
+    </dgm:linClrLst>
+    <dgm:effectClrLst/>
+    <dgm:txLinClrLst/>
+    <dgm:txFillClrLst meth="repeat">
+      <a:schemeClr val="lt1"/>
+    </dgm:txFillClrLst>
+    <dgm:txEffectClrLst/>
+  </dgm:styleLbl>
+  <dgm:styleLbl name="trBgShp">
+    <dgm:fillClrLst meth="repeat">
+      <a:schemeClr val="accent2">
+        <a:tint val="50000"/>
+        <a:alpha val="40000"/>
+      </a:schemeClr>
+    </dgm:fillClrLst>
+    <dgm:linClrLst meth="repeat">
+      <a:schemeClr val="accent2"/>
+    </dgm:linClrLst>
+    <dgm:effectClrLst/>
+    <dgm:txLinClrLst/>
+    <dgm:txFillClrLst meth="repeat">
+      <a:schemeClr val="lt1"/>
+    </dgm:txFillClrLst>
+    <dgm:txEffectClrLst/>
+  </dgm:styleLbl>
+  <dgm:styleLbl name="fgShp">
+    <dgm:fillClrLst meth="repeat">
+      <a:schemeClr val="accent2">
+        <a:tint val="60000"/>
+      </a:schemeClr>
+    </dgm:fillClrLst>
+    <dgm:linClrLst meth="repeat">
+      <a:schemeClr val="lt1"/>
+    </dgm:linClrLst>
+    <dgm:effectClrLst/>
+    <dgm:txLinClrLst/>
+    <dgm:txFillClrLst meth="repeat">
+      <a:schemeClr val="dk1"/>
+    </dgm:txFillClrLst>
+    <dgm:txEffectClrLst/>
+  </dgm:styleLbl>
+  <dgm:styleLbl name="revTx">
+    <dgm:fillClrLst meth="repeat">
+      <a:schemeClr val="lt1">
+        <a:alpha val="0"/>
+      </a:schemeClr>
+    </dgm:fillClrLst>
+    <dgm:linClrLst meth="repeat">
+      <a:schemeClr val="dk1">
+        <a:alpha val="0"/>
+      </a:schemeClr>
+    </dgm:linClrLst>
+    <dgm:effectClrLst/>
+    <dgm:txLinClrLst/>
+    <dgm:txFillClrLst meth="repeat">
+      <a:schemeClr val="tx1"/>
+    </dgm:txFillClrLst>
+    <dgm:txEffectClrLst/>
+  </dgm:styleLbl>
+</dgm:colorsDef>
+</file>
+
+<file path=ppt/diagrams/data1.xml><?xml version="1.0" encoding="utf-8"?>
+<dgm:dataModel xmlns:dgm="http://schemas.openxmlformats.org/drawingml/2006/diagram" xmlns:a="http://schemas.openxmlformats.org/drawingml/2006/main">
+  <dgm:ptLst>
+    <dgm:pt modelId="{E4889D77-AB88-429C-A6E5-6DDF3E51A674}" type="doc">
+      <dgm:prSet loTypeId="urn:microsoft.com/office/officeart/2005/8/layout/chevron1" loCatId="process" qsTypeId="urn:microsoft.com/office/officeart/2005/8/quickstyle/simple4" qsCatId="simple" csTypeId="urn:microsoft.com/office/officeart/2005/8/colors/accent2_2" csCatId="accent2" phldr="1"/>
+      <dgm:spPr/>
+    </dgm:pt>
+    <dgm:pt modelId="{A405C8BF-0217-4561-A086-61956B174B41}">
+      <dgm:prSet phldrT="[Text]"/>
+      <dgm:spPr/>
+      <dgm:t>
+        <a:bodyPr/>
+        <a:lstStyle/>
+        <a:p>
+          <a:r>
+            <a:rPr lang="en-GB" dirty="0" smtClean="0"/>
+            <a:t>English Instructions</a:t>
+          </a:r>
+          <a:endParaRPr lang="en-GB" dirty="0"/>
+        </a:p>
+      </dgm:t>
+    </dgm:pt>
+    <dgm:pt modelId="{123B2675-AA72-45C1-958B-AD9D6CC0F29E}" type="parTrans" cxnId="{3A20E56D-5C41-4C77-B086-36199EE3BEF7}">
+      <dgm:prSet/>
+      <dgm:spPr/>
+      <dgm:t>
+        <a:bodyPr/>
+        <a:lstStyle/>
+        <a:p>
+          <a:endParaRPr lang="en-GB"/>
+        </a:p>
+      </dgm:t>
+    </dgm:pt>
+    <dgm:pt modelId="{BE24EA0F-263A-4BE2-AFBE-E098F756BDCE}" type="sibTrans" cxnId="{3A20E56D-5C41-4C77-B086-36199EE3BEF7}">
+      <dgm:prSet/>
+      <dgm:spPr/>
+      <dgm:t>
+        <a:bodyPr/>
+        <a:lstStyle/>
+        <a:p>
+          <a:endParaRPr lang="en-GB"/>
+        </a:p>
+      </dgm:t>
+    </dgm:pt>
+    <dgm:pt modelId="{D80012C0-33FE-4840-B46F-3DB7360626EE}">
+      <dgm:prSet phldrT="[Text]"/>
+      <dgm:spPr/>
+      <dgm:t>
+        <a:bodyPr/>
+        <a:lstStyle/>
+        <a:p>
+          <a:r>
+            <a:rPr lang="en-GB" dirty="0" smtClean="0"/>
+            <a:t>POS Tagged Text</a:t>
+          </a:r>
+          <a:endParaRPr lang="en-GB" dirty="0"/>
+        </a:p>
+      </dgm:t>
+    </dgm:pt>
+    <dgm:pt modelId="{63F17216-90E6-4FBF-BE3F-A11FE71CB35E}" type="parTrans" cxnId="{43696129-6519-42D7-B1D4-8ACB4DC4945C}">
+      <dgm:prSet/>
+      <dgm:spPr/>
+      <dgm:t>
+        <a:bodyPr/>
+        <a:lstStyle/>
+        <a:p>
+          <a:endParaRPr lang="en-GB"/>
+        </a:p>
+      </dgm:t>
+    </dgm:pt>
+    <dgm:pt modelId="{56688B3E-2E24-496A-826D-68B316E3CA1A}" type="sibTrans" cxnId="{43696129-6519-42D7-B1D4-8ACB4DC4945C}">
+      <dgm:prSet/>
+      <dgm:spPr/>
+      <dgm:t>
+        <a:bodyPr/>
+        <a:lstStyle/>
+        <a:p>
+          <a:endParaRPr lang="en-GB"/>
+        </a:p>
+      </dgm:t>
+    </dgm:pt>
+    <dgm:pt modelId="{59197E0F-6AB0-4084-B638-F10E6BE6ABDD}">
+      <dgm:prSet phldrT="[Text]"/>
+      <dgm:spPr/>
+      <dgm:t>
+        <a:bodyPr/>
+        <a:lstStyle/>
+        <a:p>
+          <a:r>
+            <a:rPr lang="en-GB" dirty="0" smtClean="0"/>
+            <a:t>SPL</a:t>
+          </a:r>
+          <a:endParaRPr lang="en-GB" dirty="0"/>
+        </a:p>
+      </dgm:t>
+    </dgm:pt>
+    <dgm:pt modelId="{41261C4E-1EB5-4099-84C4-84F694A7778D}" type="parTrans" cxnId="{E812BB64-98AE-4A68-B31E-81F6F2891CD8}">
+      <dgm:prSet/>
+      <dgm:spPr/>
+      <dgm:t>
+        <a:bodyPr/>
+        <a:lstStyle/>
+        <a:p>
+          <a:endParaRPr lang="en-GB"/>
+        </a:p>
+      </dgm:t>
+    </dgm:pt>
+    <dgm:pt modelId="{EE2B4CE7-B79A-4E5C-8A7D-9EC8BCCC1124}" type="sibTrans" cxnId="{E812BB64-98AE-4A68-B31E-81F6F2891CD8}">
+      <dgm:prSet/>
+      <dgm:spPr/>
+      <dgm:t>
+        <a:bodyPr/>
+        <a:lstStyle/>
+        <a:p>
+          <a:endParaRPr lang="en-GB"/>
+        </a:p>
+      </dgm:t>
+    </dgm:pt>
+    <dgm:pt modelId="{F963225C-E55B-406B-B67C-08A0267B03F2}" type="pres">
+      <dgm:prSet presAssocID="{E4889D77-AB88-429C-A6E5-6DDF3E51A674}" presName="Name0" presStyleCnt="0">
+        <dgm:presLayoutVars>
+          <dgm:dir/>
+          <dgm:animLvl val="lvl"/>
+          <dgm:resizeHandles val="exact"/>
+        </dgm:presLayoutVars>
+      </dgm:prSet>
+      <dgm:spPr/>
+    </dgm:pt>
+    <dgm:pt modelId="{F4399F7E-212A-4ECC-9168-65FAFAEDAB88}" type="pres">
+      <dgm:prSet presAssocID="{A405C8BF-0217-4561-A086-61956B174B41}" presName="parTxOnly" presStyleLbl="node1" presStyleIdx="0" presStyleCnt="3">
+        <dgm:presLayoutVars>
+          <dgm:chMax val="0"/>
+          <dgm:chPref val="0"/>
+          <dgm:bulletEnabled val="1"/>
+        </dgm:presLayoutVars>
+      </dgm:prSet>
+      <dgm:spPr/>
+    </dgm:pt>
+    <dgm:pt modelId="{0F0C2228-826D-428C-8068-D1F909B812CA}" type="pres">
+      <dgm:prSet presAssocID="{BE24EA0F-263A-4BE2-AFBE-E098F756BDCE}" presName="parTxOnlySpace" presStyleCnt="0"/>
+      <dgm:spPr/>
+    </dgm:pt>
+    <dgm:pt modelId="{7900F795-C8D7-4F95-B207-0505A1B7985F}" type="pres">
+      <dgm:prSet presAssocID="{D80012C0-33FE-4840-B46F-3DB7360626EE}" presName="parTxOnly" presStyleLbl="node1" presStyleIdx="1" presStyleCnt="3" custLinFactNeighborX="-43175" custLinFactNeighborY="-29">
+        <dgm:presLayoutVars>
+          <dgm:chMax val="0"/>
+          <dgm:chPref val="0"/>
+          <dgm:bulletEnabled val="1"/>
+        </dgm:presLayoutVars>
+      </dgm:prSet>
+      <dgm:spPr/>
+      <dgm:t>
+        <a:bodyPr/>
+        <a:lstStyle/>
+        <a:p>
+          <a:endParaRPr lang="en-GB"/>
+        </a:p>
+      </dgm:t>
+    </dgm:pt>
+    <dgm:pt modelId="{8E2742FC-2E95-4B7C-BB3F-9A096C94A23A}" type="pres">
+      <dgm:prSet presAssocID="{56688B3E-2E24-496A-826D-68B316E3CA1A}" presName="parTxOnlySpace" presStyleCnt="0"/>
+      <dgm:spPr/>
+    </dgm:pt>
+    <dgm:pt modelId="{458CD5DD-474C-46DD-A6B6-80289D7F42DA}" type="pres">
+      <dgm:prSet presAssocID="{59197E0F-6AB0-4084-B638-F10E6BE6ABDD}" presName="parTxOnly" presStyleLbl="node1" presStyleIdx="2" presStyleCnt="3">
+        <dgm:presLayoutVars>
+          <dgm:chMax val="0"/>
+          <dgm:chPref val="0"/>
+          <dgm:bulletEnabled val="1"/>
+        </dgm:presLayoutVars>
+      </dgm:prSet>
+      <dgm:spPr/>
+    </dgm:pt>
+  </dgm:ptLst>
+  <dgm:cxnLst>
+    <dgm:cxn modelId="{77E98148-AAFB-4E70-9771-4CAF114F86C1}" type="presOf" srcId="{E4889D77-AB88-429C-A6E5-6DDF3E51A674}" destId="{F963225C-E55B-406B-B67C-08A0267B03F2}" srcOrd="0" destOrd="0" presId="urn:microsoft.com/office/officeart/2005/8/layout/chevron1"/>
+    <dgm:cxn modelId="{43696129-6519-42D7-B1D4-8ACB4DC4945C}" srcId="{E4889D77-AB88-429C-A6E5-6DDF3E51A674}" destId="{D80012C0-33FE-4840-B46F-3DB7360626EE}" srcOrd="1" destOrd="0" parTransId="{63F17216-90E6-4FBF-BE3F-A11FE71CB35E}" sibTransId="{56688B3E-2E24-496A-826D-68B316E3CA1A}"/>
+    <dgm:cxn modelId="{4A1FB539-73F9-4E0E-907E-A3C8A99DA339}" type="presOf" srcId="{D80012C0-33FE-4840-B46F-3DB7360626EE}" destId="{7900F795-C8D7-4F95-B207-0505A1B7985F}" srcOrd="0" destOrd="0" presId="urn:microsoft.com/office/officeart/2005/8/layout/chevron1"/>
+    <dgm:cxn modelId="{62AFF134-7E31-4F0F-A95B-5101F46254D4}" type="presOf" srcId="{59197E0F-6AB0-4084-B638-F10E6BE6ABDD}" destId="{458CD5DD-474C-46DD-A6B6-80289D7F42DA}" srcOrd="0" destOrd="0" presId="urn:microsoft.com/office/officeart/2005/8/layout/chevron1"/>
+    <dgm:cxn modelId="{E812BB64-98AE-4A68-B31E-81F6F2891CD8}" srcId="{E4889D77-AB88-429C-A6E5-6DDF3E51A674}" destId="{59197E0F-6AB0-4084-B638-F10E6BE6ABDD}" srcOrd="2" destOrd="0" parTransId="{41261C4E-1EB5-4099-84C4-84F694A7778D}" sibTransId="{EE2B4CE7-B79A-4E5C-8A7D-9EC8BCCC1124}"/>
+    <dgm:cxn modelId="{458FE422-0CE3-40B5-955C-1B55D9F03647}" type="presOf" srcId="{A405C8BF-0217-4561-A086-61956B174B41}" destId="{F4399F7E-212A-4ECC-9168-65FAFAEDAB88}" srcOrd="0" destOrd="0" presId="urn:microsoft.com/office/officeart/2005/8/layout/chevron1"/>
+    <dgm:cxn modelId="{3A20E56D-5C41-4C77-B086-36199EE3BEF7}" srcId="{E4889D77-AB88-429C-A6E5-6DDF3E51A674}" destId="{A405C8BF-0217-4561-A086-61956B174B41}" srcOrd="0" destOrd="0" parTransId="{123B2675-AA72-45C1-958B-AD9D6CC0F29E}" sibTransId="{BE24EA0F-263A-4BE2-AFBE-E098F756BDCE}"/>
+    <dgm:cxn modelId="{396B7563-DD8E-4EF3-AFEB-6B00F07C752E}" type="presParOf" srcId="{F963225C-E55B-406B-B67C-08A0267B03F2}" destId="{F4399F7E-212A-4ECC-9168-65FAFAEDAB88}" srcOrd="0" destOrd="0" presId="urn:microsoft.com/office/officeart/2005/8/layout/chevron1"/>
+    <dgm:cxn modelId="{85F22996-D410-4DD8-A363-1020941D2DB9}" type="presParOf" srcId="{F963225C-E55B-406B-B67C-08A0267B03F2}" destId="{0F0C2228-826D-428C-8068-D1F909B812CA}" srcOrd="1" destOrd="0" presId="urn:microsoft.com/office/officeart/2005/8/layout/chevron1"/>
+    <dgm:cxn modelId="{47C5B91D-9DC6-45A4-9168-82D78A66140D}" type="presParOf" srcId="{F963225C-E55B-406B-B67C-08A0267B03F2}" destId="{7900F795-C8D7-4F95-B207-0505A1B7985F}" srcOrd="2" destOrd="0" presId="urn:microsoft.com/office/officeart/2005/8/layout/chevron1"/>
+    <dgm:cxn modelId="{3A332F05-E833-4B85-8A9B-D5188D24732E}" type="presParOf" srcId="{F963225C-E55B-406B-B67C-08A0267B03F2}" destId="{8E2742FC-2E95-4B7C-BB3F-9A096C94A23A}" srcOrd="3" destOrd="0" presId="urn:microsoft.com/office/officeart/2005/8/layout/chevron1"/>
+    <dgm:cxn modelId="{9E5140CA-30D6-49A0-A8CB-05B033089D55}" type="presParOf" srcId="{F963225C-E55B-406B-B67C-08A0267B03F2}" destId="{458CD5DD-474C-46DD-A6B6-80289D7F42DA}" srcOrd="4" destOrd="0" presId="urn:microsoft.com/office/officeart/2005/8/layout/chevron1"/>
+  </dgm:cxnLst>
+  <dgm:bg/>
+  <dgm:whole/>
+  <dgm:extLst>
+    <a:ext uri="http://schemas.microsoft.com/office/drawing/2008/diagram">
+      <dsp:dataModelExt xmlns:dsp="http://schemas.microsoft.com/office/drawing/2008/diagram" xmlns="" relId="rId8" minVer="http://schemas.openxmlformats.org/drawingml/2006/diagram"/>
+    </a:ext>
+  </dgm:extLst>
+</dgm:dataModel>
+</file>
+
+<file path=ppt/diagrams/drawing1.xml><?xml version="1.0" encoding="utf-8"?>
+<dsp:drawing xmlns:dgm="http://schemas.openxmlformats.org/drawingml/2006/diagram" xmlns:a="http://schemas.openxmlformats.org/drawingml/2006/main" xmlns:dsp="http://schemas.microsoft.com/office/drawing/2008/diagram">
+  <dsp:spTree>
+    <dsp:nvGrpSpPr>
+      <dsp:cNvPr id="0" name=""/>
+      <dsp:cNvGrpSpPr/>
+    </dsp:nvGrpSpPr>
+    <dsp:grpSpPr/>
+    <dsp:sp modelId="{F4399F7E-212A-4ECC-9168-65FAFAEDAB88}">
+      <dsp:nvSpPr>
+        <dsp:cNvPr id="0" name=""/>
+        <dsp:cNvSpPr/>
+      </dsp:nvSpPr>
+      <dsp:spPr>
+        <a:xfrm>
+          <a:off x="1033" y="648219"/>
+          <a:ext cx="1259401" cy="503760"/>
+        </a:xfrm>
+        <a:prstGeom prst="chevron">
+          <a:avLst/>
+        </a:prstGeom>
+        <a:gradFill rotWithShape="0">
+          <a:gsLst>
+            <a:gs pos="0">
+              <a:schemeClr val="accent2">
+                <a:hueOff val="0"/>
+                <a:satOff val="0"/>
+                <a:lumOff val="0"/>
+                <a:alphaOff val="0"/>
+                <a:shade val="51000"/>
+                <a:satMod val="130000"/>
+              </a:schemeClr>
+            </a:gs>
+            <a:gs pos="80000">
+              <a:schemeClr val="accent2">
+                <a:hueOff val="0"/>
+                <a:satOff val="0"/>
+                <a:lumOff val="0"/>
+                <a:alphaOff val="0"/>
+                <a:shade val="93000"/>
+                <a:satMod val="130000"/>
+              </a:schemeClr>
+            </a:gs>
+            <a:gs pos="100000">
+              <a:schemeClr val="accent2">
+                <a:hueOff val="0"/>
+                <a:satOff val="0"/>
+                <a:lumOff val="0"/>
+                <a:alphaOff val="0"/>
+                <a:shade val="94000"/>
+                <a:satMod val="135000"/>
+              </a:schemeClr>
+            </a:gs>
+          </a:gsLst>
+          <a:lin ang="16200000" scaled="0"/>
+        </a:gradFill>
+        <a:ln>
           <a:noFill/>
         </a:ln>
-      </c:spPr>
-    </c:plotArea>
-    <c:plotVisOnly val="1"/>
-    <c:dispBlanksAs val="span"/>
-  </c:chart>
-  <c:externalData r:id="rId1"/>
-</c:chartSpace>
+        <a:effectLst>
+          <a:outerShdw blurRad="40000" dist="23000" dir="5400000" rotWithShape="0">
+            <a:srgbClr val="000000">
+              <a:alpha val="35000"/>
+            </a:srgbClr>
+          </a:outerShdw>
+        </a:effectLst>
+      </dsp:spPr>
+      <dsp:style>
+        <a:lnRef idx="0">
+          <a:scrgbClr r="0" g="0" b="0"/>
+        </a:lnRef>
+        <a:fillRef idx="3">
+          <a:scrgbClr r="0" g="0" b="0"/>
+        </a:fillRef>
+        <a:effectRef idx="2">
+          <a:scrgbClr r="0" g="0" b="0"/>
+        </a:effectRef>
+        <a:fontRef idx="minor">
+          <a:schemeClr val="lt1"/>
+        </a:fontRef>
+      </dsp:style>
+      <dsp:txBody>
+        <a:bodyPr spcFirstLastPara="0" vert="horz" wrap="square" lIns="40005" tIns="13335" rIns="13335" bIns="13335" numCol="1" spcCol="1270" anchor="ctr" anchorCtr="0">
+          <a:noAutofit/>
+        </a:bodyPr>
+        <a:lstStyle/>
+        <a:p>
+          <a:pPr lvl="0" algn="ctr" defTabSz="444500">
+            <a:lnSpc>
+              <a:spcPct val="90000"/>
+            </a:lnSpc>
+            <a:spcBef>
+              <a:spcPct val="0"/>
+            </a:spcBef>
+            <a:spcAft>
+              <a:spcPct val="35000"/>
+            </a:spcAft>
+          </a:pPr>
+          <a:r>
+            <a:rPr lang="en-GB" sz="1000" kern="1200" dirty="0" smtClean="0"/>
+            <a:t>English Instructions</a:t>
+          </a:r>
+          <a:endParaRPr lang="en-GB" sz="1000" kern="1200" dirty="0"/>
+        </a:p>
+      </dsp:txBody>
+      <dsp:txXfrm>
+        <a:off x="1033" y="648219"/>
+        <a:ext cx="1259401" cy="503760"/>
+      </dsp:txXfrm>
+    </dsp:sp>
+    <dsp:sp modelId="{7900F795-C8D7-4F95-B207-0505A1B7985F}">
+      <dsp:nvSpPr>
+        <dsp:cNvPr id="0" name=""/>
+        <dsp:cNvSpPr/>
+      </dsp:nvSpPr>
+      <dsp:spPr>
+        <a:xfrm>
+          <a:off x="1080120" y="648073"/>
+          <a:ext cx="1259401" cy="503760"/>
+        </a:xfrm>
+        <a:prstGeom prst="chevron">
+          <a:avLst/>
+        </a:prstGeom>
+        <a:gradFill rotWithShape="0">
+          <a:gsLst>
+            <a:gs pos="0">
+              <a:schemeClr val="accent2">
+                <a:hueOff val="0"/>
+                <a:satOff val="0"/>
+                <a:lumOff val="0"/>
+                <a:alphaOff val="0"/>
+                <a:shade val="51000"/>
+                <a:satMod val="130000"/>
+              </a:schemeClr>
+            </a:gs>
+            <a:gs pos="80000">
+              <a:schemeClr val="accent2">
+                <a:hueOff val="0"/>
+                <a:satOff val="0"/>
+                <a:lumOff val="0"/>
+                <a:alphaOff val="0"/>
+                <a:shade val="93000"/>
+                <a:satMod val="130000"/>
+              </a:schemeClr>
+            </a:gs>
+            <a:gs pos="100000">
+              <a:schemeClr val="accent2">
+                <a:hueOff val="0"/>
+                <a:satOff val="0"/>
+                <a:lumOff val="0"/>
+                <a:alphaOff val="0"/>
+                <a:shade val="94000"/>
+                <a:satMod val="135000"/>
+              </a:schemeClr>
+            </a:gs>
+          </a:gsLst>
+          <a:lin ang="16200000" scaled="0"/>
+        </a:gradFill>
+        <a:ln>
+          <a:noFill/>
+        </a:ln>
+        <a:effectLst>
+          <a:outerShdw blurRad="40000" dist="23000" dir="5400000" rotWithShape="0">
+            <a:srgbClr val="000000">
+              <a:alpha val="35000"/>
+            </a:srgbClr>
+          </a:outerShdw>
+        </a:effectLst>
+      </dsp:spPr>
+      <dsp:style>
+        <a:lnRef idx="0">
+          <a:scrgbClr r="0" g="0" b="0"/>
+        </a:lnRef>
+        <a:fillRef idx="3">
+          <a:scrgbClr r="0" g="0" b="0"/>
+        </a:fillRef>
+        <a:effectRef idx="2">
+          <a:scrgbClr r="0" g="0" b="0"/>
+        </a:effectRef>
+        <a:fontRef idx="minor">
+          <a:schemeClr val="lt1"/>
+        </a:fontRef>
+      </dsp:style>
+      <dsp:txBody>
+        <a:bodyPr spcFirstLastPara="0" vert="horz" wrap="square" lIns="40005" tIns="13335" rIns="13335" bIns="13335" numCol="1" spcCol="1270" anchor="ctr" anchorCtr="0">
+          <a:noAutofit/>
+        </a:bodyPr>
+        <a:lstStyle/>
+        <a:p>
+          <a:pPr lvl="0" algn="ctr" defTabSz="444500">
+            <a:lnSpc>
+              <a:spcPct val="90000"/>
+            </a:lnSpc>
+            <a:spcBef>
+              <a:spcPct val="0"/>
+            </a:spcBef>
+            <a:spcAft>
+              <a:spcPct val="35000"/>
+            </a:spcAft>
+          </a:pPr>
+          <a:r>
+            <a:rPr lang="en-GB" sz="1000" kern="1200" dirty="0" smtClean="0"/>
+            <a:t>POS Tagged Text</a:t>
+          </a:r>
+          <a:endParaRPr lang="en-GB" sz="1000" kern="1200" dirty="0"/>
+        </a:p>
+      </dsp:txBody>
+      <dsp:txXfrm>
+        <a:off x="1080120" y="648073"/>
+        <a:ext cx="1259401" cy="503760"/>
+      </dsp:txXfrm>
+    </dsp:sp>
+    <dsp:sp modelId="{458CD5DD-474C-46DD-A6B6-80289D7F42DA}">
+      <dsp:nvSpPr>
+        <dsp:cNvPr id="0" name=""/>
+        <dsp:cNvSpPr/>
+      </dsp:nvSpPr>
+      <dsp:spPr>
+        <a:xfrm>
+          <a:off x="2267956" y="648219"/>
+          <a:ext cx="1259401" cy="503760"/>
+        </a:xfrm>
+        <a:prstGeom prst="chevron">
+          <a:avLst/>
+        </a:prstGeom>
+        <a:gradFill rotWithShape="0">
+          <a:gsLst>
+            <a:gs pos="0">
+              <a:schemeClr val="accent2">
+                <a:hueOff val="0"/>
+                <a:satOff val="0"/>
+                <a:lumOff val="0"/>
+                <a:alphaOff val="0"/>
+                <a:shade val="51000"/>
+                <a:satMod val="130000"/>
+              </a:schemeClr>
+            </a:gs>
+            <a:gs pos="80000">
+              <a:schemeClr val="accent2">
+                <a:hueOff val="0"/>
+                <a:satOff val="0"/>
+                <a:lumOff val="0"/>
+                <a:alphaOff val="0"/>
+                <a:shade val="93000"/>
+                <a:satMod val="130000"/>
+              </a:schemeClr>
+            </a:gs>
+            <a:gs pos="100000">
+              <a:schemeClr val="accent2">
+                <a:hueOff val="0"/>
+                <a:satOff val="0"/>
+                <a:lumOff val="0"/>
+                <a:alphaOff val="0"/>
+                <a:shade val="94000"/>
+                <a:satMod val="135000"/>
+              </a:schemeClr>
+            </a:gs>
+          </a:gsLst>
+          <a:lin ang="16200000" scaled="0"/>
+        </a:gradFill>
+        <a:ln>
+          <a:noFill/>
+        </a:ln>
+        <a:effectLst>
+          <a:outerShdw blurRad="40000" dist="23000" dir="5400000" rotWithShape="0">
+            <a:srgbClr val="000000">
+              <a:alpha val="35000"/>
+            </a:srgbClr>
+          </a:outerShdw>
+        </a:effectLst>
+      </dsp:spPr>
+      <dsp:style>
+        <a:lnRef idx="0">
+          <a:scrgbClr r="0" g="0" b="0"/>
+        </a:lnRef>
+        <a:fillRef idx="3">
+          <a:scrgbClr r="0" g="0" b="0"/>
+        </a:fillRef>
+        <a:effectRef idx="2">
+          <a:scrgbClr r="0" g="0" b="0"/>
+        </a:effectRef>
+        <a:fontRef idx="minor">
+          <a:schemeClr val="lt1"/>
+        </a:fontRef>
+      </dsp:style>
+      <dsp:txBody>
+        <a:bodyPr spcFirstLastPara="0" vert="horz" wrap="square" lIns="40005" tIns="13335" rIns="13335" bIns="13335" numCol="1" spcCol="1270" anchor="ctr" anchorCtr="0">
+          <a:noAutofit/>
+        </a:bodyPr>
+        <a:lstStyle/>
+        <a:p>
+          <a:pPr lvl="0" algn="ctr" defTabSz="444500">
+            <a:lnSpc>
+              <a:spcPct val="90000"/>
+            </a:lnSpc>
+            <a:spcBef>
+              <a:spcPct val="0"/>
+            </a:spcBef>
+            <a:spcAft>
+              <a:spcPct val="35000"/>
+            </a:spcAft>
+          </a:pPr>
+          <a:r>
+            <a:rPr lang="en-GB" sz="1000" kern="1200" dirty="0" smtClean="0"/>
+            <a:t>SPL</a:t>
+          </a:r>
+          <a:endParaRPr lang="en-GB" sz="1000" kern="1200" dirty="0"/>
+        </a:p>
+      </dsp:txBody>
+      <dsp:txXfrm>
+        <a:off x="2267956" y="648219"/>
+        <a:ext cx="1259401" cy="503760"/>
+      </dsp:txXfrm>
+    </dsp:sp>
+  </dsp:spTree>
+</dsp:drawing>
+</file>
+
+<file path=ppt/diagrams/layout1.xml><?xml version="1.0" encoding="utf-8"?>
+<dgm:layoutDef xmlns:dgm="http://schemas.openxmlformats.org/drawingml/2006/diagram" xmlns:a="http://schemas.openxmlformats.org/drawingml/2006/main" uniqueId="urn:microsoft.com/office/officeart/2005/8/layout/chevron1">
+  <dgm:title val=""/>
+  <dgm:desc val=""/>
+  <dgm:catLst>
+    <dgm:cat type="process" pri="9000"/>
+  </dgm:catLst>
+  <dgm:sampData useDef="1">
+    <dgm:dataModel>
+      <dgm:ptLst/>
+      <dgm:bg/>
+      <dgm:whole/>
+    </dgm:dataModel>
+  </dgm:sampData>
+  <dgm:styleData>
+    <dgm:dataModel>
+      <dgm:ptLst>
+        <dgm:pt modelId="0" type="doc"/>
+        <dgm:pt modelId="1"/>
+        <dgm:pt modelId="2"/>
+      </dgm:ptLst>
+      <dgm:cxnLst>
+        <dgm:cxn modelId="3" srcId="0" destId="1" srcOrd="0" destOrd="0"/>
+        <dgm:cxn modelId="4" srcId="0" destId="2" srcOrd="1" destOrd="0"/>
+      </dgm:cxnLst>
+      <dgm:bg/>
+      <dgm:whole/>
+    </dgm:dataModel>
+  </dgm:styleData>
+  <dgm:clrData>
+    <dgm:dataModel>
+      <dgm:ptLst>
+        <dgm:pt modelId="0" type="doc"/>
+        <dgm:pt modelId="1"/>
+        <dgm:pt modelId="2"/>
+        <dgm:pt modelId="3"/>
+        <dgm:pt modelId="4"/>
+      </dgm:ptLst>
+      <dgm:cxnLst>
+        <dgm:cxn modelId="5" srcId="0" destId="1" srcOrd="0" destOrd="0"/>
+        <dgm:cxn modelId="6" srcId="0" destId="2" srcOrd="1" destOrd="0"/>
+        <dgm:cxn modelId="7" srcId="0" destId="3" srcOrd="2" destOrd="0"/>
+        <dgm:cxn modelId="8" srcId="0" destId="4" srcOrd="3" destOrd="0"/>
+      </dgm:cxnLst>
+      <dgm:bg/>
+      <dgm:whole/>
+    </dgm:dataModel>
+  </dgm:clrData>
+  <dgm:layoutNode name="Name0">
+    <dgm:varLst>
+      <dgm:dir/>
+      <dgm:animLvl val="lvl"/>
+      <dgm:resizeHandles val="exact"/>
+    </dgm:varLst>
+    <dgm:choose name="Name1">
+      <dgm:if name="Name2" func="var" arg="dir" op="equ" val="norm">
+        <dgm:alg type="lin"/>
+      </dgm:if>
+      <dgm:else name="Name3">
+        <dgm:alg type="lin">
+          <dgm:param type="linDir" val="fromR"/>
+        </dgm:alg>
+      </dgm:else>
+    </dgm:choose>
+    <dgm:shape xmlns:r="http://schemas.openxmlformats.org/officeDocument/2006/relationships" r:blip="">
+      <dgm:adjLst/>
+    </dgm:shape>
+    <dgm:presOf/>
+    <dgm:choose name="Name4">
+      <dgm:if name="Name5" axis="des" func="maxDepth" op="gte" val="2">
+        <dgm:constrLst>
+          <dgm:constr type="h" for="ch" forName="composite" refType="h"/>
+          <dgm:constr type="w" for="ch" forName="composite" refType="w"/>
+          <dgm:constr type="w" for="des" forName="parTx"/>
+          <dgm:constr type="h" for="des" forName="parTx" op="equ"/>
+          <dgm:constr type="w" for="des" forName="desTx"/>
+          <dgm:constr type="h" for="des" forName="desTx" op="equ"/>
+          <dgm:constr type="primFontSz" for="des" forName="parTx" val="65"/>
+          <dgm:constr type="secFontSz" for="des" forName="desTx" refType="primFontSz" refFor="des" refForName="parTx" op="equ"/>
+          <dgm:constr type="h" for="des" forName="parTx" refType="primFontSz" refFor="des" refForName="parTx" fact="1.5"/>
+          <dgm:constr type="h" for="des" forName="desTx" refType="primFontSz" refFor="des" refForName="parTx" fact="0.5"/>
+          <dgm:constr type="w" for="ch" forName="space" op="equ" val="-6"/>
+        </dgm:constrLst>
+        <dgm:ruleLst>
+          <dgm:rule type="w" for="ch" forName="composite" val="0" fact="NaN" max="NaN"/>
+          <dgm:rule type="primFontSz" for="des" forName="parTx" val="5" fact="NaN" max="NaN"/>
+        </dgm:ruleLst>
+        <dgm:forEach name="Name6" axis="ch" ptType="node">
+          <dgm:layoutNode name="composite">
+            <dgm:alg type="composite"/>
+            <dgm:shape xmlns:r="http://schemas.openxmlformats.org/officeDocument/2006/relationships" r:blip="">
+              <dgm:adjLst/>
+            </dgm:shape>
+            <dgm:presOf/>
+            <dgm:choose name="Name7">
+              <dgm:if name="Name8" func="var" arg="dir" op="equ" val="norm">
+                <dgm:constrLst>
+                  <dgm:constr type="l" for="ch" forName="parTx"/>
+                  <dgm:constr type="w" for="ch" forName="parTx" refType="w"/>
+                  <dgm:constr type="t" for="ch" forName="parTx"/>
+                  <dgm:constr type="l" for="ch" forName="desTx"/>
+                  <dgm:constr type="w" for="ch" forName="desTx" refType="w" refFor="ch" refForName="parTx" fact="0.8"/>
+                  <dgm:constr type="t" for="ch" forName="desTx" refType="h" refFor="ch" refForName="parTx" fact="1.125"/>
+                </dgm:constrLst>
+              </dgm:if>
+              <dgm:else name="Name9">
+                <dgm:constrLst>
+                  <dgm:constr type="l" for="ch" forName="parTx"/>
+                  <dgm:constr type="w" for="ch" forName="parTx" refType="w"/>
+                  <dgm:constr type="t" for="ch" forName="parTx"/>
+                  <dgm:constr type="l" for="ch" forName="desTx" refType="w" fact="0.2"/>
+                  <dgm:constr type="w" for="ch" forName="desTx" refType="w" refFor="ch" refForName="parTx" fact="0.8"/>
+                  <dgm:constr type="t" for="ch" forName="desTx" refType="h" refFor="ch" refForName="parTx" fact="1.125"/>
+                </dgm:constrLst>
+              </dgm:else>
+            </dgm:choose>
+            <dgm:ruleLst>
+              <dgm:rule type="h" val="INF" fact="NaN" max="NaN"/>
+            </dgm:ruleLst>
+            <dgm:layoutNode name="parTx">
+              <dgm:varLst>
+                <dgm:chMax val="0"/>
+                <dgm:chPref val="0"/>
+                <dgm:bulletEnabled val="1"/>
+              </dgm:varLst>
+              <dgm:alg type="tx"/>
+              <dgm:choose name="Name10">
+                <dgm:if name="Name11" func="var" arg="dir" op="equ" val="norm">
+                  <dgm:shape xmlns:r="http://schemas.openxmlformats.org/officeDocument/2006/relationships" type="chevron" r:blip="">
+                    <dgm:adjLst/>
+                  </dgm:shape>
+                </dgm:if>
+                <dgm:else name="Name12">
+                  <dgm:shape xmlns:r="http://schemas.openxmlformats.org/officeDocument/2006/relationships" rot="180" type="chevron" r:blip="">
+                    <dgm:adjLst/>
+                  </dgm:shape>
+                </dgm:else>
+              </dgm:choose>
+              <dgm:presOf axis="self" ptType="node"/>
+              <dgm:choose name="Name13">
+                <dgm:if name="Name14" func="var" arg="dir" op="equ" val="norm">
+                  <dgm:constrLst>
+                    <dgm:constr type="h" refType="w" op="lte" fact="0.4"/>
+                    <dgm:constr type="h"/>
+                    <dgm:constr type="tMarg" refType="primFontSz" fact="0.105"/>
+                    <dgm:constr type="bMarg" refType="primFontSz" fact="0.105"/>
+                    <dgm:constr type="lMarg" refType="primFontSz" fact="0.315"/>
+                    <dgm:constr type="rMarg" refType="primFontSz" fact="0.105"/>
+                  </dgm:constrLst>
+                </dgm:if>
+                <dgm:else name="Name15">
+                  <dgm:constrLst>
+                    <dgm:constr type="h" refType="w" op="lte" fact="0.4"/>
+                    <dgm:constr type="h"/>
+                    <dgm:constr type="tMarg" refType="primFontSz" fact="0.105"/>
+                    <dgm:constr type="bMarg" refType="primFontSz" fact="0.105"/>
+                    <dgm:constr type="lMarg" refType="primFontSz" fact="0.105"/>
+                    <dgm:constr type="rMarg" refType="primFontSz" fact="0.315"/>
+                  </dgm:constrLst>
+                </dgm:else>
+              </dgm:choose>
+              <dgm:ruleLst>
+                <dgm:rule type="h" val="INF" fact="NaN" max="NaN"/>
+              </dgm:ruleLst>
+            </dgm:layoutNode>
+            <dgm:layoutNode name="desTx" styleLbl="revTx">
+              <dgm:varLst>
+                <dgm:bulletEnabled val="1"/>
+              </dgm:varLst>
+              <dgm:alg type="tx">
+                <dgm:param type="stBulletLvl" val="1"/>
+              </dgm:alg>
+              <dgm:choose name="Name16">
+                <dgm:if name="Name17" axis="ch" ptType="node" func="cnt" op="gte" val="1">
+                  <dgm:shape xmlns:r="http://schemas.openxmlformats.org/officeDocument/2006/relationships" type="rect" r:blip="">
+                    <dgm:adjLst/>
+                  </dgm:shape>
+                </dgm:if>
+                <dgm:else name="Name18">
+                  <dgm:shape xmlns:r="http://schemas.openxmlformats.org/officeDocument/2006/relationships" type="rect" r:blip="" hideGeom="1">
+                    <dgm:adjLst/>
+                  </dgm:shape>
+                </dgm:else>
+              </dgm:choose>
+              <dgm:presOf axis="des" ptType="node"/>
+              <dgm:constrLst>
+                <dgm:constr type="secFontSz" val="65"/>
+                <dgm:constr type="primFontSz" refType="secFontSz"/>
+                <dgm:constr type="h"/>
+                <dgm:constr type="tMarg"/>
+                <dgm:constr type="bMarg"/>
+                <dgm:constr type="rMarg"/>
+                <dgm:constr type="lMarg"/>
+              </dgm:constrLst>
+              <dgm:ruleLst>
+                <dgm:rule type="h" val="INF" fact="NaN" max="NaN"/>
+              </dgm:ruleLst>
+            </dgm:layoutNode>
+          </dgm:layoutNode>
+          <dgm:forEach name="Name19" axis="followSib" ptType="sibTrans" cnt="1">
+            <dgm:layoutNode name="space">
+              <dgm:alg type="sp"/>
+              <dgm:shape xmlns:r="http://schemas.openxmlformats.org/officeDocument/2006/relationships" r:blip="">
+                <dgm:adjLst/>
+              </dgm:shape>
+              <dgm:presOf/>
+              <dgm:constrLst/>
+              <dgm:ruleLst/>
+            </dgm:layoutNode>
+          </dgm:forEach>
+        </dgm:forEach>
+      </dgm:if>
+      <dgm:else name="Name20">
+        <dgm:constrLst>
+          <dgm:constr type="w" for="ch" forName="parTxOnly" refType="w"/>
+          <dgm:constr type="h" for="des" forName="parTxOnly" op="equ"/>
+          <dgm:constr type="primFontSz" for="des" forName="parTxOnly" op="equ" val="65"/>
+          <dgm:constr type="w" for="ch" forName="parTxOnlySpace" refType="w" refFor="ch" refForName="parTxOnly" fact="-0.1"/>
+        </dgm:constrLst>
+        <dgm:ruleLst/>
+        <dgm:forEach name="Name21" axis="ch" ptType="node">
+          <dgm:layoutNode name="parTxOnly">
+            <dgm:varLst>
+              <dgm:chMax val="0"/>
+              <dgm:chPref val="0"/>
+              <dgm:bulletEnabled val="1"/>
+            </dgm:varLst>
+            <dgm:alg type="tx"/>
+            <dgm:choose name="Name22">
+              <dgm:if name="Name23" func="var" arg="dir" op="equ" val="norm">
+                <dgm:shape xmlns:r="http://schemas.openxmlformats.org/officeDocument/2006/relationships" type="chevron" r:blip="">
+                  <dgm:adjLst/>
+                </dgm:shape>
+              </dgm:if>
+              <dgm:else name="Name24">
+                <dgm:shape xmlns:r="http://schemas.openxmlformats.org/officeDocument/2006/relationships" rot="180" type="chevron" r:blip="">
+                  <dgm:adjLst/>
+                </dgm:shape>
+              </dgm:else>
+            </dgm:choose>
+            <dgm:presOf axis="self" ptType="node"/>
+            <dgm:choose name="Name25">
+              <dgm:if name="Name26" func="var" arg="dir" op="equ" val="norm">
+                <dgm:constrLst>
+                  <dgm:constr type="h" refType="w" op="equ" fact="0.4"/>
+                  <dgm:constr type="tMarg" refType="primFontSz" fact="0.105"/>
+                  <dgm:constr type="bMarg" refType="primFontSz" fact="0.105"/>
+                  <dgm:constr type="lMarg" refType="primFontSz" fact="0.315"/>
+                  <dgm:constr type="rMarg" refType="primFontSz" fact="0.105"/>
+                </dgm:constrLst>
+              </dgm:if>
+              <dgm:else name="Name27">
+                <dgm:constrLst>
+                  <dgm:constr type="h" refType="w" op="equ" fact="0.4"/>
+                  <dgm:constr type="tMarg" refType="primFontSz" fact="0.105"/>
+                  <dgm:constr type="bMarg" refType="primFontSz" fact="0.105"/>
+                  <dgm:constr type="lMarg" refType="primFontSz" fact="0.105"/>
+                  <dgm:constr type="rMarg" refType="primFontSz" fact="0.315"/>
+                </dgm:constrLst>
+              </dgm:else>
+            </dgm:choose>
+            <dgm:ruleLst>
+              <dgm:rule type="primFontSz" val="5" fact="NaN" max="NaN"/>
+            </dgm:ruleLst>
+          </dgm:layoutNode>
+          <dgm:forEach name="Name28" axis="followSib" ptType="sibTrans" cnt="1">
+            <dgm:layoutNode name="parTxOnlySpace">
+              <dgm:alg type="sp"/>
+              <dgm:shape xmlns:r="http://schemas.openxmlformats.org/officeDocument/2006/relationships" r:blip="">
+                <dgm:adjLst/>
+              </dgm:shape>
+              <dgm:presOf/>
+              <dgm:constrLst/>
+              <dgm:ruleLst/>
+            </dgm:layoutNode>
+          </dgm:forEach>
+        </dgm:forEach>
+      </dgm:else>
+    </dgm:choose>
+  </dgm:layoutNode>
+</dgm:layoutDef>
+</file>
+
+<file path=ppt/diagrams/quickStyle1.xml><?xml version="1.0" encoding="utf-8"?>
+<dgm:styleDef xmlns:dgm="http://schemas.openxmlformats.org/drawingml/2006/diagram" xmlns:a="http://schemas.openxmlformats.org/drawingml/2006/main" uniqueId="urn:microsoft.com/office/officeart/2005/8/quickstyle/simple4">
+  <dgm:title val=""/>
+  <dgm:desc val=""/>
+  <dgm:catLst>
+    <dgm:cat type="simple" pri="10400"/>
+  </dgm:catLst>
+  <dgm:scene3d>
+    <a:camera prst="orthographicFront"/>
+    <a:lightRig rig="threePt" dir="t"/>
+  </dgm:scene3d>
+  <dgm:styleLbl name="node0">
+    <dgm:scene3d>
+      <a:camera prst="orthographicFront"/>
+      <a:lightRig rig="threePt" dir="t"/>
+    </dgm:scene3d>
+    <dgm:sp3d/>
+    <dgm:txPr/>
+    <dgm:style>
+      <a:lnRef idx="0">
+        <a:scrgbClr r="0" g="0" b="0"/>
+      </a:lnRef>
+      <a:fillRef idx="3">
+        <a:scrgbClr r="0" g="0" b="0"/>
+      </a:fillRef>
+      <a:effectRef idx="2">
+        <a:scrgbClr r="0" g="0" b="0"/>
+      </a:effectRef>
+      <a:fontRef idx="minor">
+        <a:schemeClr val="lt1"/>
+      </a:fontRef>
+    </dgm:style>
+  </dgm:styleLbl>
+  <dgm:styleLbl name="lnNode1">
+    <dgm:scene3d>
+      <a:camera prst="orthographicFront"/>
+      <a:lightRig rig="threePt" dir="t"/>
+    </dgm:scene3d>
+    <dgm:sp3d/>
+    <dgm:txPr/>
+    <dgm:style>
+      <a:lnRef idx="1">
+        <a:scrgbClr r="0" g="0" b="0"/>
+      </a:lnRef>
+      <a:fillRef idx="3">
+        <a:scrgbClr r="0" g="0" b="0"/>
+      </a:fillRef>
+      <a:effectRef idx="2">
+        <a:scrgbClr r="0" g="0" b="0"/>
+      </a:effectRef>
+      <a:fontRef idx="minor">
+        <a:schemeClr val="lt1"/>
+      </a:fontRef>
+    </dgm:style>
+  </dgm:styleLbl>
+  <dgm:styleLbl name="vennNode1">
+    <dgm:scene3d>
+      <a:camera prst="orthographicFront"/>
+      <a:lightRig rig="threePt" dir="t"/>
+    </dgm:scene3d>
+    <dgm:sp3d/>
+    <dgm:txPr/>
+    <dgm:style>
+      <a:lnRef idx="0">
+        <a:scrgbClr r="0" g="0" b="0"/>
+      </a:lnRef>
+      <a:fillRef idx="3">
+        <a:scrgbClr r="0" g="0" b="0"/>
+      </a:fillRef>
+      <a:effectRef idx="0">
+        <a:scrgbClr r="0" g="0" b="0"/>
+      </a:effectRef>
+      <a:fontRef idx="minor">
+        <a:schemeClr val="tx1"/>
+      </a:fontRef>
+    </dgm:style>
+  </dgm:styleLbl>
+  <dgm:styleLbl name="alignNode1">
+    <dgm:scene3d>
+      <a:camera prst="orthographicFront"/>
+      <a:lightRig rig="threePt" dir="t"/>
+    </dgm:scene3d>
+    <dgm:sp3d/>
+    <dgm:txPr/>
+    <dgm:style>
+      <a:lnRef idx="1">
+        <a:scrgbClr r="0" g="0" b="0"/>
+      </a:lnRef>
+      <a:fillRef idx="3">
+        <a:scrgbClr r="0" g="0" b="0"/>
+      </a:fillRef>
+      <a:effectRef idx="2">
+        <a:scrgbClr r="0" g="0" b="0"/>
+      </a:effectRef>
+      <a:fontRef idx="minor">
+        <a:schemeClr val="lt1"/>
+      </a:fontRef>
+    </dgm:style>
+  </dgm:styleLbl>
+  <dgm:styleLbl name="node1">
+    <dgm:scene3d>
+      <a:camera prst="orthographicFront"/>
+      <a:lightRig rig="threePt" dir="t"/>
+    </dgm:scene3d>
+    <dgm:sp3d/>
+    <dgm:txPr/>
+    <dgm:style>
+      <a:lnRef idx="0">
+        <a:scrgbClr r="0" g="0" b="0"/>
+      </a:lnRef>
+      <a:fillRef idx="3">
+        <a:scrgbClr r="0" g="0" b="0"/>
+      </a:fillRef>
+      <a:effectRef idx="2">
+        <a:scrgbClr r="0" g="0" b="0"/>
+      </a:effectRef>
+      <a:fontRef idx="minor">
+        <a:schemeClr val="lt1"/>
+      </a:fontRef>
+    </dgm:style>
+  </dgm:styleLbl>
+  <dgm:styleLbl name="node2">
+    <dgm:scene3d>
+      <a:camera prst="orthographicFront"/>
+      <a:lightRig rig="threePt" dir="t"/>
+    </dgm:scene3d>
+    <dgm:sp3d/>
+    <dgm:txPr/>
+    <dgm:style>
+      <a:lnRef idx="0">
+        <a:scrgbClr r="0" g="0" b="0"/>
+      </a:lnRef>
+      <a:fillRef idx="3">
+        <a:scrgbClr r="0" g="0" b="0"/>
+      </a:fillRef>
+      <a:effectRef idx="2">
+        <a:scrgbClr r="0" g="0" b="0"/>
+      </a:effectRef>
+      <a:fontRef idx="minor">
+        <a:schemeClr val="lt1"/>
+      </a:fontRef>
+    </dgm:style>
+  </dgm:styleLbl>
+  <dgm:styleLbl name="node3">
+    <dgm:scene3d>
+      <a:camera prst="orthographicFront"/>
+      <a:lightRig rig="threePt" dir="t"/>
+    </dgm:scene3d>
+    <dgm:sp3d/>
+    <dgm:txPr/>
+    <dgm:style>
+      <a:lnRef idx="0">
+        <a:scrgbClr r="0" g="0" b="0"/>
+      </a:lnRef>
+      <a:fillRef idx="3">
+        <a:scrgbClr r="0" g="0" b="0"/>
+      </a:fillRef>
+      <a:effectRef idx="2">
+        <a:scrgbClr r="0" g="0" b="0"/>
+      </a:effectRef>
+      <a:fontRef idx="minor">
+        <a:schemeClr val="lt1"/>
+      </a:fontRef>
+    </dgm:style>
+  </dgm:styleLbl>
+  <dgm:styleLbl name="node4">
+    <dgm:scene3d>
+      <a:camera prst="orthographicFront"/>
+      <a:lightRig rig="threePt" dir="t"/>
+    </dgm:scene3d>
+    <dgm:sp3d/>
+    <dgm:txPr/>
+    <dgm:style>
+      <a:lnRef idx="0">
+        <a:scrgbClr r="0" g="0" b="0"/>
+      </a:lnRef>
+      <a:fillRef idx="3">
+        <a:scrgbClr r="0" g="0" b="0"/>
+      </a:fillRef>
+      <a:effectRef idx="2">
+        <a:scrgbClr r="0" g="0" b="0"/>
+      </a:effectRef>
+      <a:fontRef idx="minor">
+        <a:schemeClr val="lt1"/>
+      </a:fontRef>
+    </dgm:style>
+  </dgm:styleLbl>
+  <dgm:styleLbl name="fgImgPlace1">
+    <dgm:scene3d>
+      <a:camera prst="orthographicFront"/>
+      <a:lightRig rig="threePt" dir="t"/>
+    </dgm:scene3d>
+    <dgm:sp3d/>
+    <dgm:txPr/>
+    <dgm:style>
+      <a:lnRef idx="0">
+        <a:scrgbClr r="0" g="0" b="0"/>
+      </a:lnRef>
+      <a:fillRef idx="1">
+        <a:scrgbClr r="0" g="0" b="0"/>
+      </a:fillRef>
+      <a:effectRef idx="2">
+        <a:scrgbClr r="0" g="0" b="0"/>
+      </a:effectRef>
+      <a:fontRef idx="minor"/>
+    </dgm:style>
+  </dgm:styleLbl>
+  <dgm:styleLbl name="alignImgPlace1">
+    <dgm:scene3d>
+      <a:camera prst="orthographicFront"/>
+      <a:lightRig rig="threePt" dir="t"/>
+    </dgm:scene3d>
+    <dgm:sp3d/>
+    <dgm:txPr/>
+    <dgm:style>
+      <a:lnRef idx="0">
+        <a:scrgbClr r="0" g="0" b="0"/>
+      </a:lnRef>
+      <a:fillRef idx="1">
+        <a:scrgbClr r="0" g="0" b="0"/>
+      </a:fillRef>
+      <a:effectRef idx="2">
+        <a:scrgbClr r="0" g="0" b="0"/>
+      </a:effectRef>
+      <a:fontRef idx="minor"/>
+    </dgm:style>
+  </dgm:styleLbl>
+  <dgm:styleLbl name="bgImgPlace1">
+    <dgm:scene3d>
+      <a:camera prst="orthographicFront"/>
+      <a:lightRig rig="threePt" dir="t"/>
+    </dgm:scene3d>
+    <dgm:sp3d/>
+    <dgm:txPr/>
+    <dgm:style>
+      <a:lnRef idx="0">
+        <a:scrgbClr r="0" g="0" b="0"/>
+      </a:lnRef>
+      <a:fillRef idx="1">
+        <a:scrgbClr r="0" g="0" b="0"/>
+      </a:fillRef>
+      <a:effectRef idx="2">
+        <a:scrgbClr r="0" g="0" b="0"/>
+      </a:effectRef>
+      <a:fontRef idx="minor"/>
+    </dgm:style>
+  </dgm:styleLbl>
+  <dgm:styleLbl name="sibTrans2D1">
+    <dgm:scene3d>
+      <a:camera prst="orthographicFront"/>
+      <a:lightRig rig="threePt" dir="t"/>
+    </dgm:scene3d>
+    <dgm:sp3d/>
+    <dgm:txPr/>
+    <dgm:style>
+      <a:lnRef idx="0">
+        <a:scrgbClr r="0" g="0" b="0"/>
+      </a:lnRef>
+      <a:fillRef idx="3">
+        <a:scrgbClr r="0" g="0" b="0"/>
+      </a:fillRef>
+      <a:effectRef idx="2">
+        <a:scrgbClr r="0" g="0" b="0"/>
+      </a:effectRef>
+      <a:fontRef idx="minor">
+        <a:schemeClr val="lt1"/>
+      </a:fontRef>
+    </dgm:style>
+  </dgm:styleLbl>
+  <dgm:styleLbl name="fgSibTrans2D1">
+    <dgm:scene3d>
+      <a:camera prst="orthographicFront"/>
+      <a:lightRig rig="threePt" dir="t"/>
+    </dgm:scene3d>
+    <dgm:sp3d/>
+    <dgm:txPr/>
+    <dgm:style>
+      <a:lnRef idx="0">
+        <a:scrgbClr r="0" g="0" b="0"/>
+      </a:lnRef>
+      <a:fillRef idx="3">
+        <a:scrgbClr r="0" g="0" b="0"/>
+      </a:fillRef>
+      <a:effectRef idx="2">
+        <a:scrgbClr r="0" g="0" b="0"/>
+      </a:effectRef>
+      <a:fontRef idx="minor">
+        <a:schemeClr val="lt1"/>
+      </a:fontRef>
+    </dgm:style>
+  </dgm:styleLbl>
+  <dgm:styleLbl name="bgSibTrans2D1">
+    <dgm:scene3d>
+      <a:camera prst="orthographicFront"/>
+      <a:lightRig rig="threePt" dir="t"/>
+    </dgm:scene3d>
+    <dgm:sp3d/>
+    <dgm:txPr/>
+    <dgm:style>
+      <a:lnRef idx="0">
+        <a:scrgbClr r="0" g="0" b="0"/>
+      </a:lnRef>
+      <a:fillRef idx="3">
+        <a:scrgbClr r="0" g="0" b="0"/>
+      </a:fillRef>
+      <a:effectRef idx="2">
+        <a:scrgbClr r="0" g="0" b="0"/>
+      </a:effectRef>
+      <a:fontRef idx="minor">
+        <a:schemeClr val="lt1"/>
+      </a:fontRef>
+    </dgm:style>
+  </dgm:styleLbl>
+  <dgm:styleLbl name="sibTrans1D1">
+    <dgm:scene3d>
+      <a:camera prst="orthographicFront"/>
+      <a:lightRig rig="threePt" dir="t"/>
+    </dgm:scene3d>
+    <dgm:sp3d/>
+    <dgm:txPr/>
+    <dgm:style>
+      <a:lnRef idx="1">
+        <a:scrgbClr r="0" g="0" b="0"/>
+      </a:lnRef>
+      <a:fillRef idx="0">
+        <a:scrgbClr r="0" g="0" b="0"/>
+      </a:fillRef>
+      <a:effectRef idx="0">
+        <a:scrgbClr r="0" g="0" b="0"/>
+      </a:effectRef>
+      <a:fontRef idx="minor"/>
+    </dgm:style>
+  </dgm:styleLbl>
+  <dgm:styleLbl name="callout">
+    <dgm:scene3d>
+      <a:camera prst="orthographicFront"/>
+      <a:lightRig rig="threePt" dir="t"/>
+    </dgm:scene3d>
+    <dgm:sp3d/>
+    <dgm:txPr/>
+    <dgm:style>
+      <a:lnRef idx="2">
+        <a:scrgbClr r="0" g="0" b="0"/>
+      </a:lnRef>
+      <a:fillRef idx="1">
+        <a:scrgbClr r="0" g="0" b="0"/>
+      </a:fillRef>
+      <a:effectRef idx="1">
+        <a:scrgbClr r="0" g="0" b="0"/>
+      </a:effectRef>
+      <a:fontRef idx="minor"/>
+    </dgm:style>
+  </dgm:styleLbl>
+  <dgm:styleLbl name="asst0">
+    <dgm:scene3d>
+      <a:camera prst="orthographicFront"/>
+      <a:lightRig rig="threePt" dir="t"/>
+    </dgm:scene3d>
+    <dgm:sp3d/>
+    <dgm:txPr/>
+    <dgm:style>
+      <a:lnRef idx="0">
+        <a:scrgbClr r="0" g="0" b="0"/>
+      </a:lnRef>
+      <a:fillRef idx="3">
+        <a:scrgbClr r="0" g="0" b="0"/>
+      </a:fillRef>
+      <a:effectRef idx="2">
+        <a:scrgbClr r="0" g="0" b="0"/>
+      </a:effectRef>
+      <a:fontRef idx="minor">
+        <a:schemeClr val="lt1"/>
+      </a:fontRef>
+    </dgm:style>
+  </dgm:styleLbl>
+  <dgm:styleLbl name="asst1">
+    <dgm:scene3d>
+      <a:camera prst="orthographicFront"/>
+      <a:lightRig rig="threePt" dir="t"/>
+    </dgm:scene3d>
+    <dgm:sp3d/>
+    <dgm:txPr/>
+    <dgm:style>
+      <a:lnRef idx="0">
+        <a:scrgbClr r="0" g="0" b="0"/>
+      </a:lnRef>
+      <a:fillRef idx="3">
+        <a:scrgbClr r="0" g="0" b="0"/>
+      </a:fillRef>
+      <a:effectRef idx="2">
+        <a:scrgbClr r="0" g="0" b="0"/>
+      </a:effectRef>
+      <a:fontRef idx="minor">
+        <a:schemeClr val="lt1"/>
+      </a:fontRef>
+    </dgm:style>
+  </dgm:styleLbl>
+  <dgm:styleLbl name="asst2">
+    <dgm:scene3d>
+      <a:camera prst="orthographicFront"/>
+      <a:lightRig rig="threePt" dir="t"/>
+    </dgm:scene3d>
+    <dgm:sp3d/>
+    <dgm:txPr/>
+    <dgm:style>
+      <a:lnRef idx="0">
+        <a:scrgbClr r="0" g="0" b="0"/>
+      </a:lnRef>
+      <a:fillRef idx="3">
+        <a:scrgbClr r="0" g="0" b="0"/>
+      </a:fillRef>
+      <a:effectRef idx="2">
+        <a:scrgbClr r="0" g="0" b="0"/>
+      </a:effectRef>
+      <a:fontRef idx="minor">
+        <a:schemeClr val="lt1"/>
+      </a:fontRef>
+    </dgm:style>
+  </dgm:styleLbl>
+  <dgm:styleLbl name="asst3">
+    <dgm:scene3d>
+      <a:camera prst="orthographicFront"/>
+      <a:lightRig rig="threePt" dir="t"/>
+    </dgm:scene3d>
+    <dgm:sp3d/>
+    <dgm:txPr/>
+    <dgm:style>
+      <a:lnRef idx="0">
+        <a:scrgbClr r="0" g="0" b="0"/>
+      </a:lnRef>
+      <a:fillRef idx="3">
+        <a:scrgbClr r="0" g="0" b="0"/>
+      </a:fillRef>
+      <a:effectRef idx="2">
+        <a:scrgbClr r="0" g="0" b="0"/>
+      </a:effectRef>
+      <a:fontRef idx="minor">
+        <a:schemeClr val="lt1"/>
+      </a:fontRef>
+    </dgm:style>
+  </dgm:styleLbl>
+  <dgm:styleLbl name="asst4">
+    <dgm:scene3d>
+      <a:camera prst="orthographicFront"/>
+      <a:lightRig rig="threePt" dir="t"/>
+    </dgm:scene3d>
+    <dgm:sp3d/>
+    <dgm:txPr/>
+    <dgm:style>
+      <a:lnRef idx="0">
+        <a:scrgbClr r="0" g="0" b="0"/>
+      </a:lnRef>
+      <a:fillRef idx="3">
+        <a:scrgbClr r="0" g="0" b="0"/>
+      </a:fillRef>
+      <a:effectRef idx="2">
+        <a:scrgbClr r="0" g="0" b="0"/>
+      </a:effectRef>
+      <a:fontRef idx="minor">
+        <a:schemeClr val="lt1"/>
+      </a:fontRef>
+    </dgm:style>
+  </dgm:styleLbl>
+  <dgm:styleLbl name="parChTrans2D1">
+    <dgm:scene3d>
+      <a:camera prst="orthographicFront"/>
+      <a:lightRig rig="threePt" dir="t"/>
+    </dgm:scene3d>
+    <dgm:sp3d/>
+    <dgm:txPr/>
+    <dgm:style>
+      <a:lnRef idx="0">
+        <a:scrgbClr r="0" g="0" b="0"/>
+      </a:lnRef>
+      <a:fillRef idx="3">
+        <a:scrgbClr r="0" g="0" b="0"/>
+      </a:fillRef>
+      <a:effectRef idx="2">
+        <a:scrgbClr r="0" g="0" b="0"/>
+      </a:effectRef>
+      <a:fontRef idx="minor">
+        <a:schemeClr val="lt1"/>
+      </a:fontRef>
+    </dgm:style>
+  </dgm:styleLbl>
+  <dgm:styleLbl name="parChTrans2D2">
+    <dgm:scene3d>
+      <a:camera prst="orthographicFront"/>
+      <a:lightRig rig="threePt" dir="t"/>
+    </dgm:scene3d>
+    <dgm:sp3d/>
+    <dgm:txPr/>
+    <dgm:style>
+      <a:lnRef idx="0">
+        <a:scrgbClr r="0" g="0" b="0"/>
+      </a:lnRef>
+      <a:fillRef idx="3">
+        <a:scrgbClr r="0" g="0" b="0"/>
+      </a:fillRef>
+      <a:effectRef idx="2">
+        <a:scrgbClr r="0" g="0" b="0"/>
+      </a:effectRef>
+      <a:fontRef idx="minor">
+        <a:schemeClr val="lt1"/>
+      </a:fontRef>
+    </dgm:style>
+  </dgm:styleLbl>
+  <dgm:styleLbl name="parChTrans2D3">
+    <dgm:scene3d>
+      <a:camera prst="orthographicFront"/>
+      <a:lightRig rig="threePt" dir="t"/>
+    </dgm:scene3d>
+    <dgm:sp3d/>
+    <dgm:txPr/>
+    <dgm:style>
+      <a:lnRef idx="1">
+        <a:scrgbClr r="0" g="0" b="0"/>
+      </a:lnRef>
+      <a:fillRef idx="3">
+        <a:scrgbClr r="0" g="0" b="0"/>
+      </a:fillRef>
+      <a:effectRef idx="2">
+        <a:scrgbClr r="0" g="0" b="0"/>
+      </a:effectRef>
+      <a:fontRef idx="minor">
+        <a:schemeClr val="lt1"/>
+      </a:fontRef>
+    </dgm:style>
+  </dgm:styleLbl>
+  <dgm:styleLbl name="parChTrans2D4">
+    <dgm:scene3d>
+      <a:camera prst="orthographicFront"/>
+      <a:lightRig rig="threePt" dir="t"/>
+    </dgm:scene3d>
+    <dgm:sp3d/>
+    <dgm:txPr/>
+    <dgm:style>
+      <a:lnRef idx="1">
+        <a:scrgbClr r="0" g="0" b="0"/>
+      </a:lnRef>
+      <a:fillRef idx="3">
+        <a:scrgbClr r="0" g="0" b="0"/>
+      </a:fillRef>
+      <a:effectRef idx="2">
+        <a:scrgbClr r="0" g="0" b="0"/>
+      </a:effectRef>
+      <a:fontRef idx="minor">
+        <a:schemeClr val="lt1"/>
+      </a:fontRef>
+    </dgm:style>
+  </dgm:styleLbl>
+  <dgm:styleLbl name="parChTrans1D1">
+    <dgm:scene3d>
+      <a:camera prst="orthographicFront"/>
+      <a:lightRig rig="threePt" dir="t"/>
+    </dgm:scene3d>
+    <dgm:sp3d/>
+    <dgm:txPr/>
+    <dgm:style>
+      <a:lnRef idx="1">
+        <a:scrgbClr r="0" g="0" b="0"/>
+      </a:lnRef>
+      <a:fillRef idx="0">
+        <a:scrgbClr r="0" g="0" b="0"/>
+      </a:fillRef>
+      <a:effectRef idx="0">
+        <a:scrgbClr r="0" g="0" b="0"/>
+      </a:effectRef>
+      <a:fontRef idx="minor"/>
+    </dgm:style>
+  </dgm:styleLbl>
+  <dgm:styleLbl name="parChTrans1D2">
+    <dgm:scene3d>
+      <a:camera prst="orthographicFront"/>
+      <a:lightRig rig="threePt" dir="t"/>
+    </dgm:scene3d>
+    <dgm:sp3d/>
+    <dgm:txPr/>
+    <dgm:style>
+      <a:lnRef idx="1">
+        <a:scrgbClr r="0" g="0" b="0"/>
+      </a:lnRef>
+      <a:fillRef idx="0">
+        <a:scrgbClr r="0" g="0" b="0"/>
+      </a:fillRef>
+      <a:effectRef idx="0">
+        <a:scrgbClr r="0" g="0" b="0"/>
+      </a:effectRef>
+      <a:fontRef idx="minor"/>
+    </dgm:style>
+  </dgm:styleLbl>
+  <dgm:styleLbl name="parChTrans1D3">
+    <dgm:scene3d>
+      <a:camera prst="orthographicFront"/>
+      <a:lightRig rig="threePt" dir="t"/>
+    </dgm:scene3d>
+    <dgm:sp3d/>
+    <dgm:txPr/>
+    <dgm:style>
+      <a:lnRef idx="1">
+        <a:scrgbClr r="0" g="0" b="0"/>
+      </a:lnRef>
+      <a:fillRef idx="0">
+        <a:scrgbClr r="0" g="0" b="0"/>
+      </a:fillRef>
+      <a:effectRef idx="0">
+        <a:scrgbClr r="0" g="0" b="0"/>
+      </a:effectRef>
+      <a:fontRef idx="minor"/>
+    </dgm:style>
+  </dgm:styleLbl>
+  <dgm:styleLbl name="parChTrans1D4">
+    <dgm:scene3d>
+      <a:camera prst="orthographicFront"/>
+      <a:lightRig rig="threePt" dir="t"/>
+    </dgm:scene3d>
+    <dgm:sp3d/>
+    <dgm:txPr/>
+    <dgm:style>
+      <a:lnRef idx="1">
+        <a:scrgbClr r="0" g="0" b="0"/>
+      </a:lnRef>
+      <a:fillRef idx="0">
+        <a:scrgbClr r="0" g="0" b="0"/>
+      </a:fillRef>
+      <a:effectRef idx="0">
+        <a:scrgbClr r="0" g="0" b="0"/>
+      </a:effectRef>
+      <a:fontRef idx="minor"/>
+    </dgm:style>
+  </dgm:styleLbl>
+  <dgm:styleLbl name="fgAcc1">
+    <dgm:scene3d>
+      <a:camera prst="orthographicFront"/>
+      <a:lightRig rig="threePt" dir="t"/>
+    </dgm:scene3d>
+    <dgm:sp3d/>
+    <dgm:txPr/>
+    <dgm:style>
+      <a:lnRef idx="1">
+        <a:scrgbClr r="0" g="0" b="0"/>
+      </a:lnRef>
+      <a:fillRef idx="1">
+        <a:scrgbClr r="0" g="0" b="0"/>
+      </a:fillRef>
+      <a:effectRef idx="0">
+        <a:scrgbClr r="0" g="0" b="0"/>
+      </a:effectRef>
+      <a:fontRef idx="minor"/>
+    </dgm:style>
+  </dgm:styleLbl>
+  <dgm:styleLbl name="conFgAcc1">
+    <dgm:scene3d>
+      <a:camera prst="orthographicFront"/>
+      <a:lightRig rig="threePt" dir="t"/>
+    </dgm:scene3d>
+    <dgm:sp3d/>
+    <dgm:txPr/>
+    <dgm:style>
+      <a:lnRef idx="1">
+        <a:scrgbClr r="0" g="0" b="0"/>
+      </a:lnRef>
+      <a:fillRef idx="1">
+        <a:scrgbClr r="0" g="0" b="0"/>
+      </a:fillRef>
+      <a:effectRef idx="0">
+        <a:scrgbClr r="0" g="0" b="0"/>
+      </a:effectRef>
+      <a:fontRef idx="minor"/>
+    </dgm:style>
+  </dgm:styleLbl>
+  <dgm:styleLbl name="alignAcc1">
+    <dgm:scene3d>
+      <a:camera prst="orthographicFront"/>
+      <a:lightRig rig="threePt" dir="t"/>
+    </dgm:scene3d>
+    <dgm:sp3d/>
+    <dgm:txPr/>
+    <dgm:style>
+      <a:lnRef idx="1">
+        <a:scrgbClr r="0" g="0" b="0"/>
+      </a:lnRef>
+      <a:fillRef idx="1">
+        <a:scrgbClr r="0" g="0" b="0"/>
+      </a:fillRef>
+      <a:effectRef idx="0">
+        <a:scrgbClr r="0" g="0" b="0"/>
+      </a:effectRef>
+      <a:fontRef idx="minor"/>
+    </dgm:style>
+  </dgm:styleLbl>
+  <dgm:styleLbl name="trAlignAcc1">
+    <dgm:scene3d>
+      <a:camera prst="orthographicFront"/>
+      <a:lightRig rig="threePt" dir="t"/>
+    </dgm:scene3d>
+    <dgm:sp3d/>
+    <dgm:txPr/>
+    <dgm:style>
+      <a:lnRef idx="1">
+        <a:scrgbClr r="0" g="0" b="0"/>
+      </a:lnRef>
+      <a:fillRef idx="1">
+        <a:scrgbClr r="0" g="0" b="0"/>
+      </a:fillRef>
+      <a:effectRef idx="0">
+        <a:scrgbClr r="0" g="0" b="0"/>
+      </a:effectRef>
+      <a:fontRef idx="minor"/>
+    </dgm:style>
+  </dgm:styleLbl>
+  <dgm:styleLbl name="bgAcc1">
+    <dgm:scene3d>
+      <a:camera prst="orthographicFront"/>
+      <a:lightRig rig="threePt" dir="t"/>
+    </dgm:scene3d>
+    <dgm:sp3d/>
+    <dgm:txPr/>
+    <dgm:style>
+      <a:lnRef idx="1">
+        <a:scrgbClr r="0" g="0" b="0"/>
+      </a:lnRef>
+      <a:fillRef idx="1">
+        <a:scrgbClr r="0" g="0" b="0"/>
+      </a:fillRef>
+      <a:effectRef idx="0">
+        <a:scrgbClr r="0" g="0" b="0"/>
+      </a:effectRef>
+      <a:fontRef idx="minor"/>
+    </dgm:style>
+  </dgm:styleLbl>
+  <dgm:styleLbl name="solidFgAcc1">
+    <dgm:scene3d>
+      <a:camera prst="orthographicFront"/>
+      <a:lightRig rig="threePt" dir="t"/>
+    </dgm:scene3d>
+    <dgm:sp3d/>
+    <dgm:txPr/>
+    <dgm:style>
+      <a:lnRef idx="1">
+        <a:scrgbClr r="0" g="0" b="0"/>
+      </a:lnRef>
+      <a:fillRef idx="1">
+        <a:scrgbClr r="0" g="0" b="0"/>
+      </a:fillRef>
+      <a:effectRef idx="0">
+        <a:scrgbClr r="0" g="0" b="0"/>
+      </a:effectRef>
+      <a:fontRef idx="minor"/>
+    </dgm:style>
+  </dgm:styleLbl>
+  <dgm:styleLbl name="solidAlignAcc1">
+    <dgm:scene3d>
+      <a:camera prst="orthographicFront"/>
+      <a:lightRig rig="threePt" dir="t"/>
+    </dgm:scene3d>
+    <dgm:sp3d/>
+    <dgm:txPr/>
+    <dgm:style>
+      <a:lnRef idx="1">
+        <a:scrgbClr r="0" g="0" b="0"/>
+      </a:lnRef>
+      <a:fillRef idx="1">
+        <a:scrgbClr r="0" g="0" b="0"/>
+      </a:fillRef>
+      <a:effectRef idx="0">
+        <a:scrgbClr r="0" g="0" b="0"/>
+      </a:effectRef>
+      <a:fontRef idx="minor"/>
+    </dgm:style>
+  </dgm:styleLbl>
+  <dgm:styleLbl name="solidBgAcc1">
+    <dgm:scene3d>
+      <a:camera prst="orthographicFront"/>
+      <a:lightRig rig="threePt" dir="t"/>
+    </dgm:scene3d>
+    <dgm:sp3d/>
+    <dgm:txPr/>
+    <dgm:style>
+      <a:lnRef idx="1">
+        <a:scrgbClr r="0" g="0" b="0"/>
+      </a:lnRef>
+      <a:fillRef idx="1">
+        <a:scrgbClr r="0" g="0" b="0"/>
+      </a:fillRef>
+      <a:effectRef idx="0">
+        <a:scrgbClr r="0" g="0" b="0"/>
+      </a:effectRef>
+      <a:fontRef idx="minor"/>
+    </dgm:style>
+  </dgm:styleLbl>
+  <dgm:styleLbl name="fgAccFollowNode1">
+    <dgm:scene3d>
+      <a:camera prst="orthographicFront"/>
+      <a:lightRig rig="threePt" dir="t"/>
+    </dgm:scene3d>
+    <dgm:sp3d/>
+    <dgm:txPr/>
+    <dgm:style>
+      <a:lnRef idx="1">
+        <a:scrgbClr r="0" g="0" b="0"/>
+      </a:lnRef>
+      <a:fillRef idx="1">
+        <a:scrgbClr r="0" g="0" b="0"/>
+      </a:fillRef>
+      <a:effectRef idx="0">
+        <a:scrgbClr r="0" g="0" b="0"/>
+      </a:effectRef>
+      <a:fontRef idx="minor"/>
+    </dgm:style>
+  </dgm:styleLbl>
+  <dgm:styleLbl name="alignAccFollowNode1">
+    <dgm:scene3d>
+      <a:camera prst="orthographicFront"/>
+      <a:lightRig rig="threePt" dir="t"/>
+    </dgm:scene3d>
+    <dgm:sp3d/>
+    <dgm:txPr/>
+    <dgm:style>
+      <a:lnRef idx="1">
+        <a:scrgbClr r="0" g="0" b="0"/>
+      </a:lnRef>
+      <a:fillRef idx="1">
+        <a:scrgbClr r="0" g="0" b="0"/>
+      </a:fillRef>
+      <a:effectRef idx="0">
+        <a:scrgbClr r="0" g="0" b="0"/>
+      </a:effectRef>
+      <a:fontRef idx="minor"/>
+    </dgm:style>
+  </dgm:styleLbl>
+  <dgm:styleLbl name="bgAccFollowNode1">
+    <dgm:scene3d>
+      <a:camera prst="orthographicFront"/>
+      <a:lightRig rig="threePt" dir="t"/>
+    </dgm:scene3d>
+    <dgm:sp3d/>
+    <dgm:txPr/>
+    <dgm:style>
+      <a:lnRef idx="1">
+        <a:scrgbClr r="0" g="0" b="0"/>
+      </a:lnRef>
+      <a:fillRef idx="1">
+        <a:scrgbClr r="0" g="0" b="0"/>
+      </a:fillRef>
+      <a:effectRef idx="0">
+        <a:scrgbClr r="0" g="0" b="0"/>
+      </a:effectRef>
+      <a:fontRef idx="minor"/>
+    </dgm:style>
+  </dgm:styleLbl>
+  <dgm:styleLbl name="fgAcc0">
+    <dgm:scene3d>
+      <a:camera prst="orthographicFront"/>
+      <a:lightRig rig="threePt" dir="t"/>
+    </dgm:scene3d>
+    <dgm:sp3d/>
+    <dgm:txPr/>
+    <dgm:style>
+      <a:lnRef idx="1">
+        <a:scrgbClr r="0" g="0" b="0"/>
+      </a:lnRef>
+      <a:fillRef idx="1">
+        <a:scrgbClr r="0" g="0" b="0"/>
+      </a:fillRef>
+      <a:effectRef idx="0">
+        <a:scrgbClr r="0" g="0" b="0"/>
+      </a:effectRef>
+      <a:fontRef idx="minor"/>
+    </dgm:style>
+  </dgm:styleLbl>
+  <dgm:styleLbl name="fgAcc2">
+    <dgm:scene3d>
+      <a:camera prst="orthographicFront"/>
+      <a:lightRig rig="threePt" dir="t"/>
+    </dgm:scene3d>
+    <dgm:sp3d/>
+    <dgm:txPr/>
+    <dgm:style>
+      <a:lnRef idx="1">
+        <a:scrgbClr r="0" g="0" b="0"/>
+      </a:lnRef>
+      <a:fillRef idx="1">
+        <a:scrgbClr r="0" g="0" b="0"/>
+      </a:fillRef>
+      <a:effectRef idx="0">
+        <a:scrgbClr r="0" g="0" b="0"/>
+      </a:effectRef>
+      <a:fontRef idx="minor"/>
+    </dgm:style>
+  </dgm:styleLbl>
+  <dgm:styleLbl name="fgAcc3">
+    <dgm:scene3d>
+      <a:camera prst="orthographicFront"/>
+      <a:lightRig rig="threePt" dir="t"/>
+    </dgm:scene3d>
+    <dgm:sp3d/>
+    <dgm:txPr/>
+    <dgm:style>
+      <a:lnRef idx="1">
+        <a:scrgbClr r="0" g="0" b="0"/>
+      </a:lnRef>
+      <a:fillRef idx="1">
+        <a:scrgbClr r="0" g="0" b="0"/>
+      </a:fillRef>
+      <a:effectRef idx="0">
+        <a:scrgbClr r="0" g="0" b="0"/>
+      </a:effectRef>
+      <a:fontRef idx="minor"/>
+    </dgm:style>
+  </dgm:styleLbl>
+  <dgm:styleLbl name="fgAcc4">
+    <dgm:scene3d>
+      <a:camera prst="orthographicFront"/>
+      <a:lightRig rig="threePt" dir="t"/>
+    </dgm:scene3d>
+    <dgm:sp3d/>
+    <dgm:txPr/>
+    <dgm:style>
+      <a:lnRef idx="1">
+        <a:scrgbClr r="0" g="0" b="0"/>
+      </a:lnRef>
+      <a:fillRef idx="1">
+        <a:scrgbClr r="0" g="0" b="0"/>
+      </a:fillRef>
+      <a:effectRef idx="0">
+        <a:scrgbClr r="0" g="0" b="0"/>
+      </a:effectRef>
+      <a:fontRef idx="minor"/>
+    </dgm:style>
+  </dgm:styleLbl>
+  <dgm:styleLbl name="bgShp">
+    <dgm:scene3d>
+      <a:camera prst="orthographicFront"/>
+      <a:lightRig rig="threePt" dir="t"/>
+    </dgm:scene3d>
+    <dgm:sp3d/>
+    <dgm:txPr/>
+    <dgm:style>
+      <a:lnRef idx="0">
+        <a:scrgbClr r="0" g="0" b="0"/>
+      </a:lnRef>
+      <a:fillRef idx="1">
+        <a:scrgbClr r="0" g="0" b="0"/>
+      </a:fillRef>
+      <a:effectRef idx="2">
+        <a:scrgbClr r="0" g="0" b="0"/>
+      </a:effectRef>
+      <a:fontRef idx="minor"/>
+    </dgm:style>
+  </dgm:styleLbl>
+  <dgm:styleLbl name="dkBgShp">
+    <dgm:scene3d>
+      <a:camera prst="orthographicFront"/>
+      <a:lightRig rig="threePt" dir="t"/>
+    </dgm:scene3d>
+    <dgm:sp3d/>
+    <dgm:txPr/>
+    <dgm:style>
+      <a:lnRef idx="0">
+        <a:scrgbClr r="0" g="0" b="0"/>
+      </a:lnRef>
+      <a:fillRef idx="1">
+        <a:scrgbClr r="0" g="0" b="0"/>
+      </a:fillRef>
+      <a:effectRef idx="2">
+        <a:scrgbClr r="0" g="0" b="0"/>
+      </a:effectRef>
+      <a:fontRef idx="minor"/>
+    </dgm:style>
+  </dgm:styleLbl>
+  <dgm:styleLbl name="trBgShp">
+    <dgm:scene3d>
+      <a:camera prst="orthographicFront"/>
+      <a:lightRig rig="threePt" dir="t"/>
+    </dgm:scene3d>
+    <dgm:sp3d/>
+    <dgm:txPr/>
+    <dgm:style>
+      <a:lnRef idx="0">
+        <a:scrgbClr r="0" g="0" b="0"/>
+      </a:lnRef>
+      <a:fillRef idx="1">
+        <a:scrgbClr r="0" g="0" b="0"/>
+      </a:fillRef>
+      <a:effectRef idx="0">
+        <a:scrgbClr r="0" g="0" b="0"/>
+      </a:effectRef>
+      <a:fontRef idx="minor"/>
+    </dgm:style>
+  </dgm:styleLbl>
+  <dgm:styleLbl name="fgShp">
+    <dgm:scene3d>
+      <a:camera prst="orthographicFront"/>
+      <a:lightRig rig="threePt" dir="t"/>
+    </dgm:scene3d>
+    <dgm:sp3d/>
+    <dgm:txPr/>
+    <dgm:style>
+      <a:lnRef idx="0">
+        <a:scrgbClr r="0" g="0" b="0"/>
+      </a:lnRef>
+      <a:fillRef idx="3">
+        <a:scrgbClr r="0" g="0" b="0"/>
+      </a:fillRef>
+      <a:effectRef idx="2">
+        <a:scrgbClr r="0" g="0" b="0"/>
+      </a:effectRef>
+      <a:fontRef idx="minor"/>
+    </dgm:style>
+  </dgm:styleLbl>
+  <dgm:styleLbl name="revTx">
+    <dgm:scene3d>
+      <a:camera prst="orthographicFront"/>
+      <a:lightRig rig="threePt" dir="t"/>
+    </dgm:scene3d>
+    <dgm:sp3d/>
+    <dgm:txPr/>
+    <dgm:style>
+      <a:lnRef idx="0">
+        <a:scrgbClr r="0" g="0" b="0"/>
+      </a:lnRef>
+      <a:fillRef idx="0">
+        <a:scrgbClr r="0" g="0" b="0"/>
+      </a:fillRef>
+      <a:effectRef idx="0">
+        <a:scrgbClr r="0" g="0" b="0"/>
+      </a:effectRef>
+      <a:fontRef idx="minor"/>
+    </dgm:style>
+  </dgm:styleLbl>
+</dgm:styleDef>
 </file>
 
 <file path=ppt/slideLayouts/slideLayout1.xml><?xml version="1.0" encoding="utf-8"?>
@@ -4135,7 +5956,7 @@
           <a:lstStyle/>
           <a:p>
             <a:pPr defTabSz="471488"/>
-            <a:endParaRPr lang="en-US"/>
+            <a:endParaRPr lang="en-US" dirty="0"/>
           </a:p>
         </p:txBody>
       </p:sp>
@@ -4256,119 +6077,65 @@
           <a:bodyPr wrap="square" anchor="t"/>
           <a:lstStyle/>
           <a:p>
+            <a:pPr algn="ctr"/>
+            <a:r>
+              <a:rPr lang="en-GB" sz="3200" b="1" dirty="0" smtClean="0"/>
+              <a:t>Introduction</a:t>
+            </a:r>
+          </a:p>
+          <a:p>
+            <a:pPr algn="ctr"/>
+            <a:endParaRPr lang="en-GB" sz="3200" b="1" dirty="0" smtClean="0"/>
+          </a:p>
+          <a:p>
             <a:pPr algn="just"/>
+            <a:r>
+              <a:rPr lang="en-GB" sz="1400" dirty="0" smtClean="0"/>
+              <a:t>This is a project that is all about bringing human and computer Artificial Intelligence (AI) interaction close within a Real Time Strategy (RTS) computer game.</a:t>
+            </a:r>
+          </a:p>
+          <a:p>
+            <a:endParaRPr lang="en-GB" sz="2000" dirty="0" smtClean="0"/>
+          </a:p>
+          <a:p>
+            <a:pPr algn="ctr"/>
+            <a:r>
+              <a:rPr lang="en-GB" sz="3200" b="1" dirty="0" smtClean="0"/>
+              <a:t>What is an RTS?</a:t>
+            </a:r>
+          </a:p>
+          <a:p>
+            <a:endParaRPr lang="en-GB" sz="2000" b="1" dirty="0" smtClean="0"/>
+          </a:p>
+          <a:p>
+            <a:pPr algn="just"/>
+            <a:r>
+              <a:rPr lang="en-GB" sz="1400" dirty="0" smtClean="0"/>
+              <a:t>An RTS game is one of those games with top down graphics where you command your units and buildings in a more global scale than more common First Person Shooters (FPS). To the right is an example of a good RTS called Supreme </a:t>
+            </a:r>
+            <a:r>
+              <a:rPr lang="en-GB" sz="1400" dirty="0" smtClean="0"/>
+              <a:t>Commander. A lot of the simple mechanics of my game are based on those observed in Supreme Commander.</a:t>
+            </a:r>
+          </a:p>
+          <a:p>
+            <a:pPr algn="just"/>
+            <a:endParaRPr lang="en-GB" sz="1400" dirty="0" smtClean="0"/>
+          </a:p>
+          <a:p>
+            <a:pPr algn="just"/>
+            <a:r>
+              <a:rPr lang="en-GB" sz="3200" b="1" dirty="0" smtClean="0"/>
+              <a:t>Why do this?</a:t>
+            </a:r>
+          </a:p>
+          <a:p>
+            <a:pPr algn="just"/>
+            <a:r>
+              <a:rPr lang="en-GB" sz="1400" dirty="0" smtClean="0"/>
+              <a:t>I’m doing this after years of frustration with the single minded and un-cooperative nature of many RTS AI systems in games. Many tout having teams and alliances and trading however they are little more than token gestures that only work human-human. I wanted to create an Artificial Intelligence that could use those features through English input.</a:t>
+            </a:r>
             <a:endParaRPr lang="en-GB" sz="1400" dirty="0"/>
-          </a:p>
-        </p:txBody>
-      </p:sp>
-      <p:sp>
-        <p:nvSpPr>
-          <p:cNvPr id="2056" name="Rectangle 8"/>
-          <p:cNvSpPr>
-            <a:spLocks noChangeArrowheads="1"/>
-          </p:cNvSpPr>
-          <p:nvPr/>
-        </p:nvSpPr>
-        <p:spPr bwMode="auto">
-          <a:xfrm>
-            <a:off x="3931867" y="2364162"/>
-            <a:ext cx="3540125" cy="7953375"/>
-          </a:xfrm>
-          <a:prstGeom prst="rect">
-            <a:avLst/>
-          </a:prstGeom>
-          <a:solidFill>
-            <a:schemeClr val="bg1"/>
-          </a:solidFill>
-          <a:ln w="9525">
-            <a:solidFill>
-              <a:schemeClr val="tx1"/>
-            </a:solidFill>
-            <a:miter lim="800000"/>
-            <a:headEnd/>
-            <a:tailEnd/>
-          </a:ln>
-          <a:effectLst/>
-        </p:spPr>
-        <p:txBody>
-          <a:bodyPr wrap="square" anchor="t" anchorCtr="0"/>
-          <a:lstStyle/>
-          <a:p>
-            <a:endParaRPr lang="en-GB" sz="2000" dirty="0"/>
-          </a:p>
-        </p:txBody>
-      </p:sp>
-      <p:sp>
-        <p:nvSpPr>
-          <p:cNvPr id="2057" name="Rectangle 9"/>
-          <p:cNvSpPr>
-            <a:spLocks noChangeArrowheads="1"/>
-          </p:cNvSpPr>
-          <p:nvPr/>
-        </p:nvSpPr>
-        <p:spPr bwMode="auto">
-          <a:xfrm>
-            <a:off x="7672388" y="2382838"/>
-            <a:ext cx="3540125" cy="7953375"/>
-          </a:xfrm>
-          <a:prstGeom prst="rect">
-            <a:avLst/>
-          </a:prstGeom>
-          <a:solidFill>
-            <a:schemeClr val="bg1"/>
-          </a:solidFill>
-          <a:ln w="9525">
-            <a:solidFill>
-              <a:schemeClr val="tx1"/>
-            </a:solidFill>
-            <a:miter lim="800000"/>
-            <a:headEnd/>
-            <a:tailEnd/>
-          </a:ln>
-          <a:effectLst/>
-        </p:spPr>
-        <p:txBody>
-          <a:bodyPr wrap="square" anchor="t" anchorCtr="0"/>
-          <a:lstStyle/>
-          <a:p>
-            <a:endParaRPr lang="en-GB" sz="2000" dirty="0"/>
-          </a:p>
-        </p:txBody>
-      </p:sp>
-      <p:sp>
-        <p:nvSpPr>
-          <p:cNvPr id="2058" name="Rectangle 10"/>
-          <p:cNvSpPr>
-            <a:spLocks noChangeArrowheads="1"/>
-          </p:cNvSpPr>
-          <p:nvPr/>
-        </p:nvSpPr>
-        <p:spPr bwMode="auto">
-          <a:xfrm>
-            <a:off x="11396663" y="2382838"/>
-            <a:ext cx="3540125" cy="7953375"/>
-          </a:xfrm>
-          <a:prstGeom prst="rect">
-            <a:avLst/>
-          </a:prstGeom>
-          <a:solidFill>
-            <a:schemeClr val="bg1"/>
-          </a:solidFill>
-          <a:ln w="9525">
-            <a:solidFill>
-              <a:schemeClr val="tx1"/>
-            </a:solidFill>
-            <a:miter lim="800000"/>
-            <a:headEnd/>
-            <a:tailEnd/>
-          </a:ln>
-          <a:effectLst/>
-        </p:spPr>
-        <p:txBody>
-          <a:bodyPr wrap="square" anchor="t" anchorCtr="0"/>
-          <a:lstStyle/>
-          <a:p>
-            <a:endParaRPr lang="en-GB" sz="2000" dirty="0"/>
           </a:p>
         </p:txBody>
       </p:sp>
@@ -4403,33 +6170,250 @@
           </a:p>
         </p:txBody>
       </p:sp>
+      <p:sp>
+        <p:nvSpPr>
+          <p:cNvPr id="11" name="Rectangle 7"/>
+          <p:cNvSpPr>
+            <a:spLocks noChangeArrowheads="1"/>
+          </p:cNvSpPr>
+          <p:nvPr/>
+        </p:nvSpPr>
+        <p:spPr bwMode="auto">
+          <a:xfrm>
+            <a:off x="3888854" y="2394372"/>
+            <a:ext cx="3540125" cy="4680520"/>
+          </a:xfrm>
+          <a:prstGeom prst="rect">
+            <a:avLst/>
+          </a:prstGeom>
+          <a:solidFill>
+            <a:schemeClr val="bg1"/>
+          </a:solidFill>
+          <a:ln w="9525">
+            <a:solidFill>
+              <a:schemeClr val="tx1"/>
+            </a:solidFill>
+            <a:miter lim="800000"/>
+            <a:headEnd/>
+            <a:tailEnd/>
+          </a:ln>
+          <a:effectLst/>
+        </p:spPr>
+        <p:txBody>
+          <a:bodyPr wrap="square" anchor="t"/>
+          <a:lstStyle/>
+          <a:p>
+            <a:pPr algn="ctr"/>
+            <a:r>
+              <a:rPr lang="en-GB" sz="3200" b="1" dirty="0" smtClean="0"/>
+              <a:t>Natural Language</a:t>
+            </a:r>
+          </a:p>
+          <a:p>
+            <a:pPr algn="ctr"/>
+            <a:endParaRPr lang="en-GB" sz="1050" b="1" dirty="0" smtClean="0"/>
+          </a:p>
+          <a:p>
+            <a:pPr algn="just"/>
+            <a:r>
+              <a:rPr lang="en-GB" sz="1400" dirty="0" smtClean="0"/>
+              <a:t>The interaction is achieved using a Natural Language Pipeline that is designed to translate English instructions into an internal language, that I calle</a:t>
+            </a:r>
+            <a:r>
+              <a:rPr lang="en-GB" sz="1400" dirty="0" smtClean="0"/>
+              <a:t>d Strategic Planning Language (SPL), </a:t>
+            </a:r>
+            <a:r>
+              <a:rPr lang="en-GB" sz="1400" dirty="0" smtClean="0"/>
+              <a:t>that the AI can understand. The AI uses this language internally, allowing the human players to directly inject instructions into the AI’s Queue.</a:t>
+            </a:r>
+          </a:p>
+          <a:p>
+            <a:pPr algn="just"/>
+            <a:endParaRPr lang="en-GB" sz="1400" dirty="0" smtClean="0"/>
+          </a:p>
+          <a:p>
+            <a:pPr algn="just"/>
+            <a:r>
+              <a:rPr lang="en-GB" sz="1400" dirty="0" smtClean="0"/>
+              <a:t>The pipeline begins with English input from the User. This is then Part Of Speech (POS) tagged by the Stanford Tagger. Next a series of pattern matching extracts information from the text and converts them to SPL for the AI.</a:t>
+            </a:r>
+            <a:endParaRPr lang="en-GB" sz="1400" dirty="0"/>
+          </a:p>
+        </p:txBody>
+      </p:sp>
+      <p:sp>
+        <p:nvSpPr>
+          <p:cNvPr id="13" name="Rectangle 7"/>
+          <p:cNvSpPr>
+            <a:spLocks noChangeArrowheads="1"/>
+          </p:cNvSpPr>
+          <p:nvPr/>
+        </p:nvSpPr>
+        <p:spPr bwMode="auto">
+          <a:xfrm>
+            <a:off x="7561262" y="2394373"/>
+            <a:ext cx="7272808" cy="4680519"/>
+          </a:xfrm>
+          <a:prstGeom prst="rect">
+            <a:avLst/>
+          </a:prstGeom>
+          <a:solidFill>
+            <a:schemeClr val="bg1"/>
+          </a:solidFill>
+          <a:ln w="9525">
+            <a:solidFill>
+              <a:schemeClr val="tx1"/>
+            </a:solidFill>
+            <a:miter lim="800000"/>
+            <a:headEnd/>
+            <a:tailEnd/>
+          </a:ln>
+          <a:effectLst/>
+        </p:spPr>
+        <p:txBody>
+          <a:bodyPr wrap="square" anchor="t"/>
+          <a:lstStyle/>
+          <a:p>
+            <a:pPr algn="ctr"/>
+            <a:r>
+              <a:rPr lang="en-GB" sz="3200" b="1" dirty="0" smtClean="0"/>
+              <a:t>Co-operation</a:t>
+            </a:r>
+          </a:p>
+          <a:p>
+            <a:pPr algn="just"/>
+            <a:r>
+              <a:rPr lang="en-GB" sz="1400" dirty="0" smtClean="0"/>
+              <a:t>The co-operation is achieved by means of instructions that can be issued to the AI. These instructions are for defending, attacking, trading or querying.</a:t>
+            </a:r>
+          </a:p>
+          <a:p>
+            <a:pPr algn="just"/>
+            <a:endParaRPr lang="en-GB" sz="1400" dirty="0" smtClean="0"/>
+          </a:p>
+          <a:p>
+            <a:pPr algn="just"/>
+            <a:r>
+              <a:rPr lang="en-GB" sz="1400" b="1" dirty="0" smtClean="0"/>
+              <a:t>Attacking</a:t>
+            </a:r>
+            <a:r>
+              <a:rPr lang="en-GB" sz="1400" dirty="0" smtClean="0"/>
+              <a:t> – Attacking a target, area or base for you</a:t>
+            </a:r>
+          </a:p>
+          <a:p>
+            <a:pPr algn="just"/>
+            <a:endParaRPr lang="en-GB" sz="1400" b="1" dirty="0" smtClean="0"/>
+          </a:p>
+          <a:p>
+            <a:pPr algn="just"/>
+            <a:r>
+              <a:rPr lang="en-GB" sz="1400" b="1" dirty="0" smtClean="0"/>
+              <a:t>Defending</a:t>
+            </a:r>
+            <a:r>
+              <a:rPr lang="en-GB" sz="1400" dirty="0" smtClean="0"/>
+              <a:t> – Defending an existing base, defending an area by occupying it</a:t>
+            </a:r>
+          </a:p>
+          <a:p>
+            <a:pPr algn="just"/>
+            <a:endParaRPr lang="en-GB" sz="1400" b="1" dirty="0" smtClean="0"/>
+          </a:p>
+          <a:p>
+            <a:pPr algn="just"/>
+            <a:r>
+              <a:rPr lang="en-GB" sz="1400" b="1" dirty="0" smtClean="0"/>
+              <a:t>Trading</a:t>
+            </a:r>
+            <a:r>
+              <a:rPr lang="en-GB" sz="1400" dirty="0" smtClean="0"/>
+              <a:t> – Trading units with the AI</a:t>
+            </a:r>
+          </a:p>
+          <a:p>
+            <a:pPr algn="just"/>
+            <a:endParaRPr lang="en-GB" sz="1400" b="1" dirty="0" smtClean="0"/>
+          </a:p>
+          <a:p>
+            <a:pPr algn="just"/>
+            <a:r>
+              <a:rPr lang="en-GB" sz="1400" b="1" dirty="0" smtClean="0"/>
+              <a:t>Querying</a:t>
+            </a:r>
+            <a:r>
+              <a:rPr lang="en-GB" sz="1400" dirty="0" smtClean="0"/>
+              <a:t> – Asking the AI for information about the world or itself</a:t>
+            </a:r>
+            <a:endParaRPr lang="en-GB" sz="2000" b="1" dirty="0"/>
+          </a:p>
+        </p:txBody>
+      </p:sp>
       <p:graphicFrame>
         <p:nvGraphicFramePr>
-          <p:cNvPr id="17" name="Chart 16"/>
+          <p:cNvPr id="14" name="Diagram 13"/>
           <p:cNvGraphicFramePr/>
-          <p:nvPr>
-            <p:extLst>
-              <p:ext uri="{D42A27DB-BD31-4B8C-83A1-F6EECF244321}">
-                <p14:modId xmlns:p14="http://schemas.microsoft.com/office/powerpoint/2010/main" xmlns="" val="4025279689"/>
-              </p:ext>
-            </p:extLst>
-          </p:nvPr>
+          <p:nvPr/>
         </p:nvGraphicFramePr>
         <p:xfrm>
-          <a:off x="3989362" y="2489180"/>
-          <a:ext cx="3417093" cy="2702720"/>
+          <a:off x="3888854" y="7218908"/>
+          <a:ext cx="3528392" cy="1800200"/>
         </p:xfrm>
         <a:graphic>
-          <a:graphicData uri="http://schemas.openxmlformats.org/drawingml/2006/chart">
-            <c:chart xmlns:c="http://schemas.openxmlformats.org/drawingml/2006/chart" xmlns:r="http://schemas.openxmlformats.org/officeDocument/2006/relationships" r:id="rId4"/>
+          <a:graphicData uri="http://schemas.openxmlformats.org/drawingml/2006/diagram">
+            <dgm:relIds xmlns:dgm="http://schemas.openxmlformats.org/drawingml/2006/diagram" xmlns:r="http://schemas.openxmlformats.org/officeDocument/2006/relationships" r:dm="rId4" r:lo="rId5" r:qs="rId6" r:cs="rId7"/>
           </a:graphicData>
         </a:graphic>
       </p:graphicFrame>
+      <p:sp>
+        <p:nvSpPr>
+          <p:cNvPr id="16" name="TextBox 15"/>
+          <p:cNvSpPr txBox="1"/>
+          <p:nvPr/>
+        </p:nvSpPr>
+        <p:spPr>
+          <a:xfrm>
+            <a:off x="4104878" y="8587061"/>
+            <a:ext cx="2808312" cy="307777"/>
+          </a:xfrm>
+          <a:prstGeom prst="rect">
+            <a:avLst/>
+          </a:prstGeom>
+          <a:noFill/>
+        </p:spPr>
+        <p:txBody>
+          <a:bodyPr wrap="square" rtlCol="0">
+            <a:spAutoFit/>
+          </a:bodyPr>
+          <a:lstStyle/>
+          <a:p>
+            <a:pPr lvl="0"/>
+            <a:r>
+              <a:rPr lang="en-GB" sz="1400" dirty="0" smtClean="0"/>
+              <a:t>The Natural Language </a:t>
+            </a:r>
+            <a:r>
+              <a:rPr lang="en-GB" sz="1400" dirty="0" smtClean="0"/>
+              <a:t>Process</a:t>
+            </a:r>
+            <a:endParaRPr lang="en-GB" sz="1400" dirty="0"/>
+          </a:p>
+        </p:txBody>
+      </p:sp>
     </p:spTree>
   </p:cSld>
   <p:clrMapOvr>
     <a:masterClrMapping/>
   </p:clrMapOvr>
+  <p:timing>
+    <p:tnLst>
+      <p:par>
+        <p:cTn id="1" dur="indefinite" restart="never" nodeType="tmRoot"/>
+      </p:par>
+    </p:tnLst>
+  </p:timing>
 </p:sld>
 </file>
 

--- a/Deadlines/Poster/CE301 Poster Template.pptx
+++ b/Deadlines/Poster/CE301 Poster Template.pptx
@@ -1097,8 +1097,8 @@
       </dsp:nvSpPr>
       <dsp:spPr>
         <a:xfrm>
-          <a:off x="1033" y="648219"/>
-          <a:ext cx="1259401" cy="503760"/>
+          <a:off x="1919" y="432322"/>
+          <a:ext cx="2338888" cy="935555"/>
         </a:xfrm>
         <a:prstGeom prst="chevron">
           <a:avLst/>
@@ -1164,12 +1164,12 @@
         </a:fontRef>
       </dsp:style>
       <dsp:txBody>
-        <a:bodyPr spcFirstLastPara="0" vert="horz" wrap="square" lIns="40005" tIns="13335" rIns="13335" bIns="13335" numCol="1" spcCol="1270" anchor="ctr" anchorCtr="0">
+        <a:bodyPr spcFirstLastPara="0" vert="horz" wrap="square" lIns="76010" tIns="25337" rIns="25337" bIns="25337" numCol="1" spcCol="1270" anchor="ctr" anchorCtr="0">
           <a:noAutofit/>
         </a:bodyPr>
         <a:lstStyle/>
         <a:p>
-          <a:pPr lvl="0" algn="ctr" defTabSz="444500">
+          <a:pPr lvl="0" algn="ctr" defTabSz="844550">
             <a:lnSpc>
               <a:spcPct val="90000"/>
             </a:lnSpc>
@@ -1181,15 +1181,15 @@
             </a:spcAft>
           </a:pPr>
           <a:r>
-            <a:rPr lang="en-GB" sz="1000" kern="1200" dirty="0" smtClean="0"/>
+            <a:rPr lang="en-GB" sz="1900" kern="1200" dirty="0" smtClean="0"/>
             <a:t>English Instructions</a:t>
           </a:r>
-          <a:endParaRPr lang="en-GB" sz="1000" kern="1200" dirty="0"/>
+          <a:endParaRPr lang="en-GB" sz="1900" kern="1200" dirty="0"/>
         </a:p>
       </dsp:txBody>
       <dsp:txXfrm>
-        <a:off x="1033" y="648219"/>
-        <a:ext cx="1259401" cy="503760"/>
+        <a:off x="1919" y="432322"/>
+        <a:ext cx="2338888" cy="935555"/>
       </dsp:txXfrm>
     </dsp:sp>
     <dsp:sp modelId="{7900F795-C8D7-4F95-B207-0505A1B7985F}">
@@ -1199,8 +1199,8 @@
       </dsp:nvSpPr>
       <dsp:spPr>
         <a:xfrm>
-          <a:off x="1080120" y="648073"/>
-          <a:ext cx="1259401" cy="503760"/>
+          <a:off x="2005938" y="432050"/>
+          <a:ext cx="2338888" cy="935555"/>
         </a:xfrm>
         <a:prstGeom prst="chevron">
           <a:avLst/>
@@ -1266,12 +1266,12 @@
         </a:fontRef>
       </dsp:style>
       <dsp:txBody>
-        <a:bodyPr spcFirstLastPara="0" vert="horz" wrap="square" lIns="40005" tIns="13335" rIns="13335" bIns="13335" numCol="1" spcCol="1270" anchor="ctr" anchorCtr="0">
+        <a:bodyPr spcFirstLastPara="0" vert="horz" wrap="square" lIns="76010" tIns="25337" rIns="25337" bIns="25337" numCol="1" spcCol="1270" anchor="ctr" anchorCtr="0">
           <a:noAutofit/>
         </a:bodyPr>
         <a:lstStyle/>
         <a:p>
-          <a:pPr lvl="0" algn="ctr" defTabSz="444500">
+          <a:pPr lvl="0" algn="ctr" defTabSz="844550">
             <a:lnSpc>
               <a:spcPct val="90000"/>
             </a:lnSpc>
@@ -1283,15 +1283,15 @@
             </a:spcAft>
           </a:pPr>
           <a:r>
-            <a:rPr lang="en-GB" sz="1000" kern="1200" dirty="0" smtClean="0"/>
+            <a:rPr lang="en-GB" sz="1900" kern="1200" dirty="0" smtClean="0"/>
             <a:t>POS Tagged Text</a:t>
           </a:r>
-          <a:endParaRPr lang="en-GB" sz="1000" kern="1200" dirty="0"/>
+          <a:endParaRPr lang="en-GB" sz="1900" kern="1200" dirty="0"/>
         </a:p>
       </dsp:txBody>
       <dsp:txXfrm>
-        <a:off x="1080120" y="648073"/>
-        <a:ext cx="1259401" cy="503760"/>
+        <a:off x="2005938" y="432050"/>
+        <a:ext cx="2338888" cy="935555"/>
       </dsp:txXfrm>
     </dsp:sp>
     <dsp:sp modelId="{458CD5DD-474C-46DD-A6B6-80289D7F42DA}">
@@ -1301,8 +1301,8 @@
       </dsp:nvSpPr>
       <dsp:spPr>
         <a:xfrm>
-          <a:off x="2267956" y="648219"/>
-          <a:ext cx="1259401" cy="503760"/>
+          <a:off x="4211919" y="432322"/>
+          <a:ext cx="2338888" cy="935555"/>
         </a:xfrm>
         <a:prstGeom prst="chevron">
           <a:avLst/>
@@ -1368,12 +1368,12 @@
         </a:fontRef>
       </dsp:style>
       <dsp:txBody>
-        <a:bodyPr spcFirstLastPara="0" vert="horz" wrap="square" lIns="40005" tIns="13335" rIns="13335" bIns="13335" numCol="1" spcCol="1270" anchor="ctr" anchorCtr="0">
+        <a:bodyPr spcFirstLastPara="0" vert="horz" wrap="square" lIns="76010" tIns="25337" rIns="25337" bIns="25337" numCol="1" spcCol="1270" anchor="ctr" anchorCtr="0">
           <a:noAutofit/>
         </a:bodyPr>
         <a:lstStyle/>
         <a:p>
-          <a:pPr lvl="0" algn="ctr" defTabSz="444500">
+          <a:pPr lvl="0" algn="ctr" defTabSz="844550">
             <a:lnSpc>
               <a:spcPct val="90000"/>
             </a:lnSpc>
@@ -1385,15 +1385,15 @@
             </a:spcAft>
           </a:pPr>
           <a:r>
-            <a:rPr lang="en-GB" sz="1000" kern="1200" dirty="0" smtClean="0"/>
+            <a:rPr lang="en-GB" sz="1900" kern="1200" dirty="0" smtClean="0"/>
             <a:t>SPL</a:t>
           </a:r>
-          <a:endParaRPr lang="en-GB" sz="1000" kern="1200" dirty="0"/>
+          <a:endParaRPr lang="en-GB" sz="1900" kern="1200" dirty="0"/>
         </a:p>
       </dsp:txBody>
       <dsp:txXfrm>
-        <a:off x="2267956" y="648219"/>
-        <a:ext cx="1259401" cy="503760"/>
+        <a:off x="4211919" y="432322"/>
+        <a:ext cx="2338888" cy="935555"/>
       </dsp:txXfrm>
     </dsp:sp>
   </dsp:spTree>
@@ -6253,7 +6253,7 @@
         <p:spPr bwMode="auto">
           <a:xfrm>
             <a:off x="7561262" y="2394373"/>
-            <a:ext cx="7272808" cy="4680519"/>
+            <a:ext cx="7272808" cy="2952327"/>
           </a:xfrm>
           <a:prstGeom prst="rect">
             <a:avLst/>
@@ -6358,8 +6358,8 @@
           <p:nvPr/>
         </p:nvGraphicFramePr>
         <p:xfrm>
-          <a:off x="3888854" y="7218908"/>
-          <a:ext cx="3528392" cy="1800200"/>
+          <a:off x="7993310" y="5058668"/>
+          <a:ext cx="6552728" cy="1800200"/>
         </p:xfrm>
         <a:graphic>
           <a:graphicData uri="http://schemas.openxmlformats.org/drawingml/2006/diagram">
@@ -6375,8 +6375,8 @@
         </p:nvSpPr>
         <p:spPr>
           <a:xfrm>
-            <a:off x="4104878" y="8587061"/>
-            <a:ext cx="2808312" cy="307777"/>
+            <a:off x="9577486" y="6426820"/>
+            <a:ext cx="3456384" cy="369332"/>
           </a:xfrm>
           <a:prstGeom prst="rect">
             <a:avLst/>
@@ -6389,16 +6389,119 @@
           </a:bodyPr>
           <a:lstStyle/>
           <a:p>
-            <a:pPr lvl="0"/>
-            <a:r>
-              <a:rPr lang="en-GB" sz="1400" dirty="0" smtClean="0"/>
+            <a:pPr lvl="0" algn="ctr"/>
+            <a:r>
+              <a:rPr lang="en-GB" sz="1800" dirty="0" smtClean="0"/>
               <a:t>The Natural Language </a:t>
             </a:r>
             <a:r>
-              <a:rPr lang="en-GB" sz="1400" dirty="0" smtClean="0"/>
+              <a:rPr lang="en-GB" sz="1800" dirty="0" smtClean="0"/>
               <a:t>Process</a:t>
             </a:r>
-            <a:endParaRPr lang="en-GB" sz="1400" dirty="0"/>
+            <a:endParaRPr lang="en-GB" sz="1800" dirty="0"/>
+          </a:p>
+        </p:txBody>
+      </p:sp>
+      <p:pic>
+        <p:nvPicPr>
+          <p:cNvPr id="17" name="Picture 16" descr="UI.png"/>
+          <p:cNvPicPr>
+            <a:picLocks noChangeAspect="1"/>
+          </p:cNvPicPr>
+          <p:nvPr/>
+        </p:nvPicPr>
+        <p:blipFill>
+          <a:blip r:embed="rId9" cstate="print"/>
+          <a:srcRect l="15807" r="8548" b="45807"/>
+          <a:stretch>
+            <a:fillRect/>
+          </a:stretch>
+        </p:blipFill>
+        <p:spPr>
+          <a:xfrm>
+            <a:off x="3888853" y="7146900"/>
+            <a:ext cx="6790089" cy="2736304"/>
+          </a:xfrm>
+          <a:prstGeom prst="rect">
+            <a:avLst/>
+          </a:prstGeom>
+        </p:spPr>
+      </p:pic>
+      <p:sp>
+        <p:nvSpPr>
+          <p:cNvPr id="18" name="TextBox 17"/>
+          <p:cNvSpPr txBox="1"/>
+          <p:nvPr/>
+        </p:nvSpPr>
+        <p:spPr>
+          <a:xfrm>
+            <a:off x="4752950" y="9811196"/>
+            <a:ext cx="4968552" cy="646331"/>
+          </a:xfrm>
+          <a:prstGeom prst="rect">
+            <a:avLst/>
+          </a:prstGeom>
+          <a:noFill/>
+        </p:spPr>
+        <p:txBody>
+          <a:bodyPr wrap="square" rtlCol="0">
+            <a:spAutoFit/>
+          </a:bodyPr>
+          <a:lstStyle/>
+          <a:p>
+            <a:r>
+              <a:rPr lang="en-GB" sz="1800" dirty="0" smtClean="0"/>
+              <a:t>The game  (Cropped) showing two bases and the input for the NLP</a:t>
+            </a:r>
+            <a:endParaRPr lang="en-GB" sz="1800" dirty="0"/>
+          </a:p>
+        </p:txBody>
+      </p:sp>
+      <p:sp>
+        <p:nvSpPr>
+          <p:cNvPr id="19" name="Rectangle 7"/>
+          <p:cNvSpPr>
+            <a:spLocks noChangeArrowheads="1"/>
+          </p:cNvSpPr>
+          <p:nvPr/>
+        </p:nvSpPr>
+        <p:spPr bwMode="auto">
+          <a:xfrm>
+            <a:off x="11233670" y="7002883"/>
+            <a:ext cx="3540125" cy="3384377"/>
+          </a:xfrm>
+          <a:prstGeom prst="rect">
+            <a:avLst/>
+          </a:prstGeom>
+          <a:solidFill>
+            <a:schemeClr val="bg1"/>
+          </a:solidFill>
+          <a:ln w="9525">
+            <a:solidFill>
+              <a:schemeClr val="tx1"/>
+            </a:solidFill>
+            <a:miter lim="800000"/>
+            <a:headEnd/>
+            <a:tailEnd/>
+          </a:ln>
+          <a:effectLst/>
+        </p:spPr>
+        <p:txBody>
+          <a:bodyPr wrap="square" anchor="t"/>
+          <a:lstStyle/>
+          <a:p>
+            <a:pPr algn="ctr"/>
+            <a:r>
+              <a:rPr lang="en-GB" sz="3200" b="1" dirty="0" smtClean="0"/>
+              <a:t>More Text Here</a:t>
+            </a:r>
+          </a:p>
+          <a:p>
+            <a:pPr algn="ctr"/>
+            <a:endParaRPr lang="en-GB" sz="3200" b="1" dirty="0" smtClean="0"/>
+          </a:p>
+          <a:p>
+            <a:endParaRPr lang="en-GB" sz="3200" dirty="0"/>
           </a:p>
         </p:txBody>
       </p:sp>

--- a/Deadlines/Poster/CE301 Poster Template.pptx
+++ b/Deadlines/Poster/CE301 Poster Template.pptx
@@ -6412,15 +6412,15 @@
         </p:nvPicPr>
         <p:blipFill>
           <a:blip r:embed="rId9" cstate="print"/>
-          <a:srcRect l="15807" r="8548" b="45807"/>
+          <a:srcRect b="31579"/>
           <a:stretch>
             <a:fillRect/>
           </a:stretch>
         </p:blipFill>
         <p:spPr>
           <a:xfrm>
-            <a:off x="3888853" y="7146900"/>
-            <a:ext cx="6790089" cy="2736304"/>
+            <a:off x="3888854" y="7146900"/>
+            <a:ext cx="7109712" cy="2736304"/>
           </a:xfrm>
           <a:prstGeom prst="rect">
             <a:avLst/>
@@ -6467,8 +6467,8 @@
         </p:nvSpPr>
         <p:spPr bwMode="auto">
           <a:xfrm>
-            <a:off x="11233670" y="7002883"/>
-            <a:ext cx="3540125" cy="3384377"/>
+            <a:off x="11233670" y="6930876"/>
+            <a:ext cx="3540125" cy="3690516"/>
           </a:xfrm>
           <a:prstGeom prst="rect">
             <a:avLst/>
@@ -6493,11 +6493,15 @@
             <a:pPr algn="ctr"/>
             <a:r>
               <a:rPr lang="en-GB" sz="3200" b="1" dirty="0" smtClean="0"/>
-              <a:t>More Text Here</a:t>
-            </a:r>
-          </a:p>
-          <a:p>
-            <a:pPr algn="ctr"/>
+              <a:t>Possible Refinements</a:t>
+            </a:r>
+          </a:p>
+          <a:p>
+            <a:pPr algn="just"/>
+            <a:r>
+              <a:rPr lang="en-GB" sz="1400" dirty="0" smtClean="0"/>
+              <a:t>The AI could use some clever features to check if it is happy with the orders you have  given it. These could include trust systems that allow you to build up leverage with the AI. The AI could also propose slight alterations that go through less defended territory or use more or less units than originally planned. These could then be approved by the Human before interaction. Triggers could be added that allow timed actions between human and AI players.</a:t>
+            </a:r>
             <a:endParaRPr lang="en-GB" sz="3200" b="1" dirty="0" smtClean="0"/>
           </a:p>
           <a:p>
